--- a/presentation_slides/slides.pptx
+++ b/presentation_slides/slides.pptx
@@ -7,6 +7,7 @@
   <p:sldIdLst>
     <p:sldId id="258" r:id="rId2"/>
     <p:sldId id="259" r:id="rId3"/>
+    <p:sldId id="260" r:id="rId4"/>
   </p:sldIdLst>
   <p:sldSz cx="12192000" cy="6858000"/>
   <p:notesSz cx="6858000" cy="9144000"/>
@@ -4608,8 +4609,8 @@
         </p:nvSpPr>
         <p:spPr>
           <a:xfrm>
-            <a:off x="239475" y="1338942"/>
-            <a:ext cx="11631396" cy="4196444"/>
+            <a:off x="239475" y="1364051"/>
+            <a:ext cx="11631396" cy="4619749"/>
           </a:xfrm>
           <a:prstGeom prst="rect">
             <a:avLst/>
@@ -4928,7 +4929,7 @@
                 <a:latin typeface="Palatino Linotype" panose="02040502050505030304" pitchFamily="18" charset="0"/>
                 <a:cs typeface="Palace Script MT" panose="020F0502020204030204" pitchFamily="34" charset="0"/>
               </a:rPr>
-              <a:t>song</a:t>
+              <a:t>piece</a:t>
             </a:r>
             <a:r>
               <a:rPr lang="zh-CN" altLang="en-US" sz="2600" dirty="0">
@@ -5048,7 +5049,319 @@
                 <a:latin typeface="Palatino Linotype" panose="02040502050505030304" pitchFamily="18" charset="0"/>
                 <a:cs typeface="Palace Script MT" panose="020F0502020204030204" pitchFamily="34" charset="0"/>
               </a:rPr>
-              <a:t>it</a:t>
+              <a:t>it.</a:t>
+            </a:r>
+            <a:r>
+              <a:rPr lang="zh-CN" altLang="en-US" sz="2600" dirty="0">
+                <a:solidFill>
+                  <a:schemeClr val="bg2">
+                    <a:lumMod val="25000"/>
+                  </a:schemeClr>
+                </a:solidFill>
+                <a:latin typeface="Palatino Linotype" panose="02040502050505030304" pitchFamily="18" charset="0"/>
+                <a:cs typeface="Palace Script MT" panose="020F0502020204030204" pitchFamily="34" charset="0"/>
+              </a:rPr>
+              <a:t> </a:t>
+            </a:r>
+            <a:r>
+              <a:rPr lang="en-US" altLang="zh-CN" sz="2600" dirty="0">
+                <a:solidFill>
+                  <a:schemeClr val="bg2">
+                    <a:lumMod val="25000"/>
+                  </a:schemeClr>
+                </a:solidFill>
+                <a:latin typeface="Palatino Linotype" panose="02040502050505030304" pitchFamily="18" charset="0"/>
+                <a:cs typeface="Palace Script MT" panose="020F0502020204030204" pitchFamily="34" charset="0"/>
+              </a:rPr>
+              <a:t>But</a:t>
+            </a:r>
+            <a:r>
+              <a:rPr lang="zh-CN" altLang="en-US" sz="2600" dirty="0">
+                <a:solidFill>
+                  <a:schemeClr val="bg2">
+                    <a:lumMod val="25000"/>
+                  </a:schemeClr>
+                </a:solidFill>
+                <a:latin typeface="Palatino Linotype" panose="02040502050505030304" pitchFamily="18" charset="0"/>
+                <a:cs typeface="Palace Script MT" panose="020F0502020204030204" pitchFamily="34" charset="0"/>
+              </a:rPr>
+              <a:t> </a:t>
+            </a:r>
+            <a:r>
+              <a:rPr lang="en-US" altLang="zh-CN" sz="2600" dirty="0">
+                <a:solidFill>
+                  <a:schemeClr val="bg2">
+                    <a:lumMod val="25000"/>
+                  </a:schemeClr>
+                </a:solidFill>
+                <a:latin typeface="Palatino Linotype" panose="02040502050505030304" pitchFamily="18" charset="0"/>
+                <a:cs typeface="Palace Script MT" panose="020F0502020204030204" pitchFamily="34" charset="0"/>
+              </a:rPr>
+              <a:t>in</a:t>
+            </a:r>
+            <a:r>
+              <a:rPr lang="zh-CN" altLang="en-US" sz="2600" dirty="0">
+                <a:solidFill>
+                  <a:schemeClr val="bg2">
+                    <a:lumMod val="25000"/>
+                  </a:schemeClr>
+                </a:solidFill>
+                <a:latin typeface="Palatino Linotype" panose="02040502050505030304" pitchFamily="18" charset="0"/>
+                <a:cs typeface="Palace Script MT" panose="020F0502020204030204" pitchFamily="34" charset="0"/>
+              </a:rPr>
+              <a:t> </a:t>
+            </a:r>
+            <a:r>
+              <a:rPr lang="en-US" altLang="zh-CN" sz="2600" dirty="0">
+                <a:solidFill>
+                  <a:schemeClr val="bg2">
+                    <a:lumMod val="25000"/>
+                  </a:schemeClr>
+                </a:solidFill>
+                <a:latin typeface="Palatino Linotype" panose="02040502050505030304" pitchFamily="18" charset="0"/>
+                <a:cs typeface="Palace Script MT" panose="020F0502020204030204" pitchFamily="34" charset="0"/>
+              </a:rPr>
+              <a:t>most</a:t>
+            </a:r>
+            <a:r>
+              <a:rPr lang="zh-CN" altLang="en-US" sz="2600" dirty="0">
+                <a:solidFill>
+                  <a:schemeClr val="bg2">
+                    <a:lumMod val="25000"/>
+                  </a:schemeClr>
+                </a:solidFill>
+                <a:latin typeface="Palatino Linotype" panose="02040502050505030304" pitchFamily="18" charset="0"/>
+                <a:cs typeface="Palace Script MT" panose="020F0502020204030204" pitchFamily="34" charset="0"/>
+              </a:rPr>
+              <a:t> </a:t>
+            </a:r>
+            <a:r>
+              <a:rPr lang="en-US" altLang="zh-CN" sz="2600" dirty="0">
+                <a:solidFill>
+                  <a:schemeClr val="bg2">
+                    <a:lumMod val="25000"/>
+                  </a:schemeClr>
+                </a:solidFill>
+                <a:latin typeface="Palatino Linotype" panose="02040502050505030304" pitchFamily="18" charset="0"/>
+                <a:cs typeface="Palace Script MT" panose="020F0502020204030204" pitchFamily="34" charset="0"/>
+              </a:rPr>
+              <a:t>of</a:t>
+            </a:r>
+            <a:r>
+              <a:rPr lang="zh-CN" altLang="en-US" sz="2600" dirty="0">
+                <a:solidFill>
+                  <a:schemeClr val="bg2">
+                    <a:lumMod val="25000"/>
+                  </a:schemeClr>
+                </a:solidFill>
+                <a:latin typeface="Palatino Linotype" panose="02040502050505030304" pitchFamily="18" charset="0"/>
+                <a:cs typeface="Palace Script MT" panose="020F0502020204030204" pitchFamily="34" charset="0"/>
+              </a:rPr>
+              <a:t> </a:t>
+            </a:r>
+            <a:r>
+              <a:rPr lang="en-US" altLang="zh-CN" sz="2600" dirty="0">
+                <a:solidFill>
+                  <a:schemeClr val="bg2">
+                    <a:lumMod val="25000"/>
+                  </a:schemeClr>
+                </a:solidFill>
+                <a:latin typeface="Palatino Linotype" panose="02040502050505030304" pitchFamily="18" charset="0"/>
+                <a:cs typeface="Palace Script MT" panose="020F0502020204030204" pitchFamily="34" charset="0"/>
+              </a:rPr>
+              <a:t>cases,</a:t>
+            </a:r>
+            <a:r>
+              <a:rPr lang="zh-CN" altLang="en-US" sz="2600" dirty="0">
+                <a:solidFill>
+                  <a:schemeClr val="bg2">
+                    <a:lumMod val="25000"/>
+                  </a:schemeClr>
+                </a:solidFill>
+                <a:latin typeface="Palatino Linotype" panose="02040502050505030304" pitchFamily="18" charset="0"/>
+                <a:cs typeface="Palace Script MT" panose="020F0502020204030204" pitchFamily="34" charset="0"/>
+              </a:rPr>
+              <a:t> </a:t>
+            </a:r>
+            <a:r>
+              <a:rPr lang="en-US" altLang="zh-CN" sz="2600" dirty="0">
+                <a:solidFill>
+                  <a:schemeClr val="bg2">
+                    <a:lumMod val="25000"/>
+                  </a:schemeClr>
+                </a:solidFill>
+                <a:latin typeface="Palatino Linotype" panose="02040502050505030304" pitchFamily="18" charset="0"/>
+                <a:cs typeface="Palace Script MT" panose="020F0502020204030204" pitchFamily="34" charset="0"/>
+              </a:rPr>
+              <a:t>the</a:t>
+            </a:r>
+            <a:r>
+              <a:rPr lang="zh-CN" altLang="en-US" sz="2600" dirty="0">
+                <a:solidFill>
+                  <a:schemeClr val="bg2">
+                    <a:lumMod val="25000"/>
+                  </a:schemeClr>
+                </a:solidFill>
+                <a:latin typeface="Palatino Linotype" panose="02040502050505030304" pitchFamily="18" charset="0"/>
+                <a:cs typeface="Palace Script MT" panose="020F0502020204030204" pitchFamily="34" charset="0"/>
+              </a:rPr>
+              <a:t> </a:t>
+            </a:r>
+            <a:r>
+              <a:rPr lang="en-US" altLang="zh-CN" sz="2600" dirty="0">
+                <a:solidFill>
+                  <a:schemeClr val="bg2">
+                    <a:lumMod val="25000"/>
+                  </a:schemeClr>
+                </a:solidFill>
+                <a:latin typeface="Palatino Linotype" panose="02040502050505030304" pitchFamily="18" charset="0"/>
+                <a:cs typeface="Palace Script MT" panose="020F0502020204030204" pitchFamily="34" charset="0"/>
+              </a:rPr>
+              <a:t>piano</a:t>
+            </a:r>
+            <a:r>
+              <a:rPr lang="zh-CN" altLang="en-US" sz="2600" dirty="0">
+                <a:solidFill>
+                  <a:schemeClr val="bg2">
+                    <a:lumMod val="25000"/>
+                  </a:schemeClr>
+                </a:solidFill>
+                <a:latin typeface="Palatino Linotype" panose="02040502050505030304" pitchFamily="18" charset="0"/>
+                <a:cs typeface="Palace Script MT" panose="020F0502020204030204" pitchFamily="34" charset="0"/>
+              </a:rPr>
+              <a:t> </a:t>
+            </a:r>
+            <a:r>
+              <a:rPr lang="en-US" altLang="zh-CN" sz="2600" dirty="0">
+                <a:solidFill>
+                  <a:schemeClr val="bg2">
+                    <a:lumMod val="25000"/>
+                  </a:schemeClr>
+                </a:solidFill>
+                <a:latin typeface="Palatino Linotype" panose="02040502050505030304" pitchFamily="18" charset="0"/>
+                <a:cs typeface="Palace Script MT" panose="020F0502020204030204" pitchFamily="34" charset="0"/>
+              </a:rPr>
+              <a:t>sheet</a:t>
+            </a:r>
+            <a:r>
+              <a:rPr lang="zh-CN" altLang="en-US" sz="2600" dirty="0">
+                <a:solidFill>
+                  <a:schemeClr val="bg2">
+                    <a:lumMod val="25000"/>
+                  </a:schemeClr>
+                </a:solidFill>
+                <a:latin typeface="Palatino Linotype" panose="02040502050505030304" pitchFamily="18" charset="0"/>
+                <a:cs typeface="Palace Script MT" panose="020F0502020204030204" pitchFamily="34" charset="0"/>
+              </a:rPr>
+              <a:t> </a:t>
+            </a:r>
+            <a:r>
+              <a:rPr lang="en-US" altLang="zh-CN" sz="2600" dirty="0">
+                <a:solidFill>
+                  <a:schemeClr val="bg2">
+                    <a:lumMod val="25000"/>
+                  </a:schemeClr>
+                </a:solidFill>
+                <a:latin typeface="Palatino Linotype" panose="02040502050505030304" pitchFamily="18" charset="0"/>
+                <a:cs typeface="Palace Script MT" panose="020F0502020204030204" pitchFamily="34" charset="0"/>
+              </a:rPr>
+              <a:t>is</a:t>
+            </a:r>
+            <a:r>
+              <a:rPr lang="zh-CN" altLang="en-US" sz="2600" dirty="0">
+                <a:solidFill>
+                  <a:schemeClr val="bg2">
+                    <a:lumMod val="25000"/>
+                  </a:schemeClr>
+                </a:solidFill>
+                <a:latin typeface="Palatino Linotype" panose="02040502050505030304" pitchFamily="18" charset="0"/>
+                <a:cs typeface="Palace Script MT" panose="020F0502020204030204" pitchFamily="34" charset="0"/>
+              </a:rPr>
+              <a:t> </a:t>
+            </a:r>
+            <a:r>
+              <a:rPr lang="en-US" altLang="zh-CN" sz="2600" dirty="0">
+                <a:solidFill>
+                  <a:schemeClr val="bg2">
+                    <a:lumMod val="25000"/>
+                  </a:schemeClr>
+                </a:solidFill>
+                <a:latin typeface="Palatino Linotype" panose="02040502050505030304" pitchFamily="18" charset="0"/>
+                <a:cs typeface="Palace Script MT" panose="020F0502020204030204" pitchFamily="34" charset="0"/>
+              </a:rPr>
+              <a:t>nowhere</a:t>
+            </a:r>
+            <a:r>
+              <a:rPr lang="zh-CN" altLang="en-US" sz="2600" dirty="0">
+                <a:solidFill>
+                  <a:schemeClr val="bg2">
+                    <a:lumMod val="25000"/>
+                  </a:schemeClr>
+                </a:solidFill>
+                <a:latin typeface="Palatino Linotype" panose="02040502050505030304" pitchFamily="18" charset="0"/>
+                <a:cs typeface="Palace Script MT" panose="020F0502020204030204" pitchFamily="34" charset="0"/>
+              </a:rPr>
+              <a:t> </a:t>
+            </a:r>
+            <a:r>
+              <a:rPr lang="en-US" altLang="zh-CN" sz="2600" dirty="0">
+                <a:solidFill>
+                  <a:schemeClr val="bg2">
+                    <a:lumMod val="25000"/>
+                  </a:schemeClr>
+                </a:solidFill>
+                <a:latin typeface="Palatino Linotype" panose="02040502050505030304" pitchFamily="18" charset="0"/>
+                <a:cs typeface="Palace Script MT" panose="020F0502020204030204" pitchFamily="34" charset="0"/>
+              </a:rPr>
+              <a:t>to</a:t>
+            </a:r>
+            <a:r>
+              <a:rPr lang="zh-CN" altLang="en-US" sz="2600" dirty="0">
+                <a:solidFill>
+                  <a:schemeClr val="bg2">
+                    <a:lumMod val="25000"/>
+                  </a:schemeClr>
+                </a:solidFill>
+                <a:latin typeface="Palatino Linotype" panose="02040502050505030304" pitchFamily="18" charset="0"/>
+                <a:cs typeface="Palace Script MT" panose="020F0502020204030204" pitchFamily="34" charset="0"/>
+              </a:rPr>
+              <a:t> </a:t>
+            </a:r>
+            <a:r>
+              <a:rPr lang="en-US" altLang="zh-CN" sz="2600" dirty="0">
+                <a:solidFill>
+                  <a:schemeClr val="bg2">
+                    <a:lumMod val="25000"/>
+                  </a:schemeClr>
+                </a:solidFill>
+                <a:latin typeface="Palatino Linotype" panose="02040502050505030304" pitchFamily="18" charset="0"/>
+                <a:cs typeface="Palace Script MT" panose="020F0502020204030204" pitchFamily="34" charset="0"/>
+              </a:rPr>
+              <a:t>be</a:t>
+            </a:r>
+            <a:r>
+              <a:rPr lang="zh-CN" altLang="en-US" sz="2600" dirty="0">
+                <a:solidFill>
+                  <a:schemeClr val="bg2">
+                    <a:lumMod val="25000"/>
+                  </a:schemeClr>
+                </a:solidFill>
+                <a:latin typeface="Palatino Linotype" panose="02040502050505030304" pitchFamily="18" charset="0"/>
+                <a:cs typeface="Palace Script MT" panose="020F0502020204030204" pitchFamily="34" charset="0"/>
+              </a:rPr>
+              <a:t> </a:t>
+            </a:r>
+            <a:r>
+              <a:rPr lang="en-US" altLang="zh-CN" sz="2600" dirty="0">
+                <a:solidFill>
+                  <a:schemeClr val="bg2">
+                    <a:lumMod val="25000"/>
+                  </a:schemeClr>
+                </a:solidFill>
+                <a:latin typeface="Palatino Linotype" panose="02040502050505030304" pitchFamily="18" charset="0"/>
+                <a:cs typeface="Palace Script MT" panose="020F0502020204030204" pitchFamily="34" charset="0"/>
+              </a:rPr>
+              <a:t>found</a:t>
             </a:r>
           </a:p>
           <a:p>
@@ -5075,251 +5388,11 @@
                 <a:latin typeface="Palatino Linotype" panose="02040502050505030304" pitchFamily="18" charset="0"/>
                 <a:cs typeface="Palace Script MT" panose="020F0502020204030204" pitchFamily="34" charset="0"/>
               </a:rPr>
-              <a:t>But</a:t>
-            </a:r>
-            <a:r>
-              <a:rPr lang="zh-CN" altLang="en-US" sz="2600" dirty="0">
-                <a:solidFill>
-                  <a:schemeClr val="bg2">
-                    <a:lumMod val="25000"/>
-                  </a:schemeClr>
-                </a:solidFill>
-                <a:latin typeface="Palatino Linotype" panose="02040502050505030304" pitchFamily="18" charset="0"/>
-                <a:cs typeface="Palace Script MT" panose="020F0502020204030204" pitchFamily="34" charset="0"/>
-              </a:rPr>
-              <a:t> </a:t>
-            </a:r>
-            <a:r>
-              <a:rPr lang="en-US" altLang="zh-CN" sz="2600" dirty="0">
-                <a:solidFill>
-                  <a:schemeClr val="bg2">
-                    <a:lumMod val="25000"/>
-                  </a:schemeClr>
-                </a:solidFill>
-                <a:latin typeface="Palatino Linotype" panose="02040502050505030304" pitchFamily="18" charset="0"/>
-                <a:cs typeface="Palace Script MT" panose="020F0502020204030204" pitchFamily="34" charset="0"/>
-              </a:rPr>
-              <a:t>the</a:t>
-            </a:r>
-            <a:r>
-              <a:rPr lang="zh-CN" altLang="en-US" sz="2600" dirty="0">
-                <a:solidFill>
-                  <a:schemeClr val="bg2">
-                    <a:lumMod val="25000"/>
-                  </a:schemeClr>
-                </a:solidFill>
-                <a:latin typeface="Palatino Linotype" panose="02040502050505030304" pitchFamily="18" charset="0"/>
-                <a:cs typeface="Palace Script MT" panose="020F0502020204030204" pitchFamily="34" charset="0"/>
-              </a:rPr>
-              <a:t> </a:t>
-            </a:r>
-            <a:r>
-              <a:rPr lang="en-US" altLang="zh-CN" sz="2600" dirty="0">
-                <a:solidFill>
-                  <a:schemeClr val="bg2">
-                    <a:lumMod val="25000"/>
-                  </a:schemeClr>
-                </a:solidFill>
-                <a:latin typeface="Palatino Linotype" panose="02040502050505030304" pitchFamily="18" charset="0"/>
-                <a:cs typeface="Palace Script MT" panose="020F0502020204030204" pitchFamily="34" charset="0"/>
-              </a:rPr>
-              <a:t>sheet</a:t>
-            </a:r>
-            <a:r>
-              <a:rPr lang="zh-CN" altLang="en-US" sz="2600" dirty="0">
-                <a:solidFill>
-                  <a:schemeClr val="bg2">
-                    <a:lumMod val="25000"/>
-                  </a:schemeClr>
-                </a:solidFill>
-                <a:latin typeface="Palatino Linotype" panose="02040502050505030304" pitchFamily="18" charset="0"/>
-                <a:cs typeface="Palace Script MT" panose="020F0502020204030204" pitchFamily="34" charset="0"/>
-              </a:rPr>
-              <a:t> </a:t>
-            </a:r>
-            <a:r>
-              <a:rPr lang="en-US" altLang="zh-CN" sz="2600" dirty="0">
-                <a:solidFill>
-                  <a:schemeClr val="bg2">
-                    <a:lumMod val="25000"/>
-                  </a:schemeClr>
-                </a:solidFill>
-                <a:latin typeface="Palatino Linotype" panose="02040502050505030304" pitchFamily="18" charset="0"/>
-                <a:cs typeface="Palace Script MT" panose="020F0502020204030204" pitchFamily="34" charset="0"/>
-              </a:rPr>
-              <a:t>of</a:t>
-            </a:r>
-            <a:r>
-              <a:rPr lang="zh-CN" altLang="en-US" sz="2600" dirty="0">
-                <a:solidFill>
-                  <a:schemeClr val="bg2">
-                    <a:lumMod val="25000"/>
-                  </a:schemeClr>
-                </a:solidFill>
-                <a:latin typeface="Palatino Linotype" panose="02040502050505030304" pitchFamily="18" charset="0"/>
-                <a:cs typeface="Palace Script MT" panose="020F0502020204030204" pitchFamily="34" charset="0"/>
-              </a:rPr>
-              <a:t> </a:t>
-            </a:r>
-            <a:r>
-              <a:rPr lang="en-US" altLang="zh-CN" sz="2600" dirty="0">
-                <a:solidFill>
-                  <a:schemeClr val="bg2">
-                    <a:lumMod val="25000"/>
-                  </a:schemeClr>
-                </a:solidFill>
-                <a:latin typeface="Palatino Linotype" panose="02040502050505030304" pitchFamily="18" charset="0"/>
-                <a:cs typeface="Palace Script MT" panose="020F0502020204030204" pitchFamily="34" charset="0"/>
-              </a:rPr>
-              <a:t>this</a:t>
-            </a:r>
-            <a:r>
-              <a:rPr lang="zh-CN" altLang="en-US" sz="2600" dirty="0">
-                <a:solidFill>
-                  <a:schemeClr val="bg2">
-                    <a:lumMod val="25000"/>
-                  </a:schemeClr>
-                </a:solidFill>
-                <a:latin typeface="Palatino Linotype" panose="02040502050505030304" pitchFamily="18" charset="0"/>
-                <a:cs typeface="Palace Script MT" panose="020F0502020204030204" pitchFamily="34" charset="0"/>
-              </a:rPr>
-              <a:t> </a:t>
-            </a:r>
-            <a:r>
-              <a:rPr lang="en-US" altLang="zh-CN" sz="2600" dirty="0">
-                <a:solidFill>
-                  <a:schemeClr val="bg2">
-                    <a:lumMod val="25000"/>
-                  </a:schemeClr>
-                </a:solidFill>
-                <a:latin typeface="Palatino Linotype" panose="02040502050505030304" pitchFamily="18" charset="0"/>
-                <a:cs typeface="Palace Script MT" panose="020F0502020204030204" pitchFamily="34" charset="0"/>
-              </a:rPr>
-              <a:t>song</a:t>
-            </a:r>
-            <a:r>
-              <a:rPr lang="zh-CN" altLang="en-US" sz="2600" dirty="0">
-                <a:solidFill>
-                  <a:schemeClr val="bg2">
-                    <a:lumMod val="25000"/>
-                  </a:schemeClr>
-                </a:solidFill>
-                <a:latin typeface="Palatino Linotype" panose="02040502050505030304" pitchFamily="18" charset="0"/>
-                <a:cs typeface="Palace Script MT" panose="020F0502020204030204" pitchFamily="34" charset="0"/>
-              </a:rPr>
-              <a:t> </a:t>
-            </a:r>
-            <a:r>
-              <a:rPr lang="en-US" altLang="zh-CN" sz="2600" dirty="0">
-                <a:solidFill>
-                  <a:schemeClr val="bg2">
-                    <a:lumMod val="25000"/>
-                  </a:schemeClr>
-                </a:solidFill>
-                <a:latin typeface="Palatino Linotype" panose="02040502050505030304" pitchFamily="18" charset="0"/>
-                <a:cs typeface="Palace Script MT" panose="020F0502020204030204" pitchFamily="34" charset="0"/>
-              </a:rPr>
-              <a:t>is</a:t>
-            </a:r>
-            <a:r>
-              <a:rPr lang="zh-CN" altLang="en-US" sz="2600" dirty="0">
-                <a:solidFill>
-                  <a:schemeClr val="bg2">
-                    <a:lumMod val="25000"/>
-                  </a:schemeClr>
-                </a:solidFill>
-                <a:latin typeface="Palatino Linotype" panose="02040502050505030304" pitchFamily="18" charset="0"/>
-                <a:cs typeface="Palace Script MT" panose="020F0502020204030204" pitchFamily="34" charset="0"/>
-              </a:rPr>
-              <a:t> </a:t>
-            </a:r>
-            <a:r>
-              <a:rPr lang="en-US" altLang="zh-CN" sz="2600" dirty="0">
-                <a:solidFill>
-                  <a:schemeClr val="bg2">
-                    <a:lumMod val="25000"/>
-                  </a:schemeClr>
-                </a:solidFill>
-                <a:latin typeface="Palatino Linotype" panose="02040502050505030304" pitchFamily="18" charset="0"/>
-                <a:cs typeface="Palace Script MT" panose="020F0502020204030204" pitchFamily="34" charset="0"/>
-              </a:rPr>
-              <a:t>nowhere</a:t>
-            </a:r>
-            <a:r>
-              <a:rPr lang="zh-CN" altLang="en-US" sz="2600" dirty="0">
-                <a:solidFill>
-                  <a:schemeClr val="bg2">
-                    <a:lumMod val="25000"/>
-                  </a:schemeClr>
-                </a:solidFill>
-                <a:latin typeface="Palatino Linotype" panose="02040502050505030304" pitchFamily="18" charset="0"/>
-                <a:cs typeface="Palace Script MT" panose="020F0502020204030204" pitchFamily="34" charset="0"/>
-              </a:rPr>
-              <a:t> </a:t>
-            </a:r>
-            <a:r>
-              <a:rPr lang="en-US" altLang="zh-CN" sz="2600" dirty="0">
-                <a:solidFill>
-                  <a:schemeClr val="bg2">
-                    <a:lumMod val="25000"/>
-                  </a:schemeClr>
-                </a:solidFill>
-                <a:latin typeface="Palatino Linotype" panose="02040502050505030304" pitchFamily="18" charset="0"/>
-                <a:cs typeface="Palace Script MT" panose="020F0502020204030204" pitchFamily="34" charset="0"/>
-              </a:rPr>
-              <a:t>to</a:t>
-            </a:r>
-            <a:r>
-              <a:rPr lang="zh-CN" altLang="en-US" sz="2600" dirty="0">
-                <a:solidFill>
-                  <a:schemeClr val="bg2">
-                    <a:lumMod val="25000"/>
-                  </a:schemeClr>
-                </a:solidFill>
-                <a:latin typeface="Palatino Linotype" panose="02040502050505030304" pitchFamily="18" charset="0"/>
-                <a:cs typeface="Palace Script MT" panose="020F0502020204030204" pitchFamily="34" charset="0"/>
-              </a:rPr>
-              <a:t> </a:t>
-            </a:r>
-            <a:r>
-              <a:rPr lang="en-US" altLang="zh-CN" sz="2600" dirty="0">
-                <a:solidFill>
-                  <a:schemeClr val="bg2">
-                    <a:lumMod val="25000"/>
-                  </a:schemeClr>
-                </a:solidFill>
-                <a:latin typeface="Palatino Linotype" panose="02040502050505030304" pitchFamily="18" charset="0"/>
-                <a:cs typeface="Palace Script MT" panose="020F0502020204030204" pitchFamily="34" charset="0"/>
-              </a:rPr>
-              <a:t>be</a:t>
-            </a:r>
-            <a:r>
-              <a:rPr lang="zh-CN" altLang="en-US" sz="2600" dirty="0">
-                <a:solidFill>
-                  <a:schemeClr val="bg2">
-                    <a:lumMod val="25000"/>
-                  </a:schemeClr>
-                </a:solidFill>
-                <a:latin typeface="Palatino Linotype" panose="02040502050505030304" pitchFamily="18" charset="0"/>
-                <a:cs typeface="Palace Script MT" panose="020F0502020204030204" pitchFamily="34" charset="0"/>
-              </a:rPr>
-              <a:t> </a:t>
-            </a:r>
-            <a:r>
-              <a:rPr lang="en-US" altLang="zh-CN" sz="2600" dirty="0">
-                <a:solidFill>
-                  <a:schemeClr val="bg2">
-                    <a:lumMod val="25000"/>
-                  </a:schemeClr>
-                </a:solidFill>
-                <a:latin typeface="Palatino Linotype" panose="02040502050505030304" pitchFamily="18" charset="0"/>
-                <a:cs typeface="Palace Script MT" panose="020F0502020204030204" pitchFamily="34" charset="0"/>
-              </a:rPr>
-              <a:t>found</a:t>
-            </a:r>
-          </a:p>
-          <a:p>
-            <a:pPr marL="342900" indent="-342900" algn="l">
+              <a:t>Solutions</a:t>
+            </a:r>
+          </a:p>
+          <a:p>
+            <a:pPr marL="800100" lvl="1" indent="-342900">
               <a:lnSpc>
                 <a:spcPct val="150000"/>
               </a:lnSpc>
@@ -5329,21 +5402,288 @@
                   <a:lumOff val="40000"/>
                 </a:schemeClr>
               </a:buClr>
-              <a:buFont typeface="Wingdings" pitchFamily="2" charset="2"/>
-              <a:buChar char="§"/>
+              <a:buFontTx/>
+              <a:buChar char="-"/>
             </a:pPr>
-            <a:endParaRPr lang="en-US" altLang="zh-CN" sz="2600" b="1" dirty="0">
-              <a:solidFill>
-                <a:schemeClr val="bg2">
-                  <a:lumMod val="25000"/>
-                </a:schemeClr>
-              </a:solidFill>
-              <a:latin typeface="Palatino Linotype" panose="02040502050505030304" pitchFamily="18" charset="0"/>
-              <a:cs typeface="Palace Script MT" panose="020F0502020204030204" pitchFamily="34" charset="0"/>
-            </a:endParaRPr>
-          </a:p>
-          <a:p>
-            <a:pPr marL="342900" indent="-342900" algn="l">
+            <a:r>
+              <a:rPr lang="en-US" altLang="zh-CN" sz="2300" dirty="0">
+                <a:solidFill>
+                  <a:schemeClr val="bg2">
+                    <a:lumMod val="25000"/>
+                  </a:schemeClr>
+                </a:solidFill>
+                <a:latin typeface="Palatino Linotype" panose="02040502050505030304" pitchFamily="18" charset="0"/>
+                <a:cs typeface="Palace Script MT" panose="020F0502020204030204" pitchFamily="34" charset="0"/>
+              </a:rPr>
+              <a:t>Manual</a:t>
+            </a:r>
+            <a:r>
+              <a:rPr lang="zh-CN" altLang="en-US" sz="2300" dirty="0">
+                <a:solidFill>
+                  <a:schemeClr val="bg2">
+                    <a:lumMod val="25000"/>
+                  </a:schemeClr>
+                </a:solidFill>
+                <a:latin typeface="Palatino Linotype" panose="02040502050505030304" pitchFamily="18" charset="0"/>
+                <a:cs typeface="Palace Script MT" panose="020F0502020204030204" pitchFamily="34" charset="0"/>
+              </a:rPr>
+              <a:t> </a:t>
+            </a:r>
+            <a:r>
+              <a:rPr lang="en-US" altLang="zh-CN" sz="2300" dirty="0">
+                <a:solidFill>
+                  <a:schemeClr val="bg2">
+                    <a:lumMod val="25000"/>
+                  </a:schemeClr>
+                </a:solidFill>
+                <a:latin typeface="Palatino Linotype" panose="02040502050505030304" pitchFamily="18" charset="0"/>
+                <a:cs typeface="Palace Script MT" panose="020F0502020204030204" pitchFamily="34" charset="0"/>
+              </a:rPr>
+              <a:t>Transcript</a:t>
+            </a:r>
+            <a:r>
+              <a:rPr lang="zh-CN" altLang="en-US" sz="2300" dirty="0">
+                <a:solidFill>
+                  <a:schemeClr val="bg2">
+                    <a:lumMod val="25000"/>
+                  </a:schemeClr>
+                </a:solidFill>
+                <a:latin typeface="Palatino Linotype" panose="02040502050505030304" pitchFamily="18" charset="0"/>
+                <a:cs typeface="Palace Script MT" panose="020F0502020204030204" pitchFamily="34" charset="0"/>
+              </a:rPr>
+              <a:t> </a:t>
+            </a:r>
+            <a:r>
+              <a:rPr lang="en-US" altLang="zh-CN" sz="2300" dirty="0">
+                <a:solidFill>
+                  <a:schemeClr val="bg2">
+                    <a:lumMod val="25000"/>
+                  </a:schemeClr>
+                </a:solidFill>
+                <a:latin typeface="Palatino Linotype" panose="02040502050505030304" pitchFamily="18" charset="0"/>
+                <a:cs typeface="Palace Script MT" panose="020F0502020204030204" pitchFamily="34" charset="0"/>
+              </a:rPr>
+              <a:t>(need</a:t>
+            </a:r>
+            <a:r>
+              <a:rPr lang="zh-CN" altLang="en-US" sz="2300" dirty="0">
+                <a:solidFill>
+                  <a:schemeClr val="bg2">
+                    <a:lumMod val="25000"/>
+                  </a:schemeClr>
+                </a:solidFill>
+                <a:latin typeface="Palatino Linotype" panose="02040502050505030304" pitchFamily="18" charset="0"/>
+                <a:cs typeface="Palace Script MT" panose="020F0502020204030204" pitchFamily="34" charset="0"/>
+              </a:rPr>
+              <a:t> </a:t>
+            </a:r>
+            <a:r>
+              <a:rPr lang="en-US" altLang="zh-CN" sz="2300" dirty="0">
+                <a:solidFill>
+                  <a:schemeClr val="bg2">
+                    <a:lumMod val="25000"/>
+                  </a:schemeClr>
+                </a:solidFill>
+                <a:latin typeface="Palatino Linotype" panose="02040502050505030304" pitchFamily="18" charset="0"/>
+                <a:cs typeface="Palace Script MT" panose="020F0502020204030204" pitchFamily="34" charset="0"/>
+              </a:rPr>
+              <a:t>much</a:t>
+            </a:r>
+            <a:r>
+              <a:rPr lang="zh-CN" altLang="en-US" sz="2300" dirty="0">
+                <a:solidFill>
+                  <a:schemeClr val="bg2">
+                    <a:lumMod val="25000"/>
+                  </a:schemeClr>
+                </a:solidFill>
+                <a:latin typeface="Palatino Linotype" panose="02040502050505030304" pitchFamily="18" charset="0"/>
+                <a:cs typeface="Palace Script MT" panose="020F0502020204030204" pitchFamily="34" charset="0"/>
+              </a:rPr>
+              <a:t> </a:t>
+            </a:r>
+            <a:r>
+              <a:rPr lang="en-US" altLang="zh-CN" sz="2300" dirty="0">
+                <a:solidFill>
+                  <a:schemeClr val="bg2">
+                    <a:lumMod val="25000"/>
+                  </a:schemeClr>
+                </a:solidFill>
+                <a:latin typeface="Palatino Linotype" panose="02040502050505030304" pitchFamily="18" charset="0"/>
+                <a:cs typeface="Palace Script MT" panose="020F0502020204030204" pitchFamily="34" charset="0"/>
+              </a:rPr>
+              <a:t>professional</a:t>
+            </a:r>
+            <a:r>
+              <a:rPr lang="zh-CN" altLang="en-US" sz="2300" dirty="0">
+                <a:solidFill>
+                  <a:schemeClr val="bg2">
+                    <a:lumMod val="25000"/>
+                  </a:schemeClr>
+                </a:solidFill>
+                <a:latin typeface="Palatino Linotype" panose="02040502050505030304" pitchFamily="18" charset="0"/>
+                <a:cs typeface="Palace Script MT" panose="020F0502020204030204" pitchFamily="34" charset="0"/>
+              </a:rPr>
+              <a:t> </a:t>
+            </a:r>
+            <a:r>
+              <a:rPr lang="en-US" altLang="zh-CN" sz="2300" dirty="0">
+                <a:solidFill>
+                  <a:schemeClr val="bg2">
+                    <a:lumMod val="25000"/>
+                  </a:schemeClr>
+                </a:solidFill>
+                <a:latin typeface="Palatino Linotype" panose="02040502050505030304" pitchFamily="18" charset="0"/>
+                <a:cs typeface="Palace Script MT" panose="020F0502020204030204" pitchFamily="34" charset="0"/>
+              </a:rPr>
+              <a:t>training</a:t>
+            </a:r>
+            <a:r>
+              <a:rPr lang="zh-CN" altLang="en-US" sz="2300" dirty="0">
+                <a:solidFill>
+                  <a:schemeClr val="bg2">
+                    <a:lumMod val="25000"/>
+                  </a:schemeClr>
+                </a:solidFill>
+                <a:latin typeface="Palatino Linotype" panose="02040502050505030304" pitchFamily="18" charset="0"/>
+                <a:cs typeface="Palace Script MT" panose="020F0502020204030204" pitchFamily="34" charset="0"/>
+              </a:rPr>
+              <a:t> </a:t>
+            </a:r>
+            <a:r>
+              <a:rPr lang="en-US" altLang="zh-CN" sz="2300" dirty="0">
+                <a:solidFill>
+                  <a:schemeClr val="bg2">
+                    <a:lumMod val="25000"/>
+                  </a:schemeClr>
+                </a:solidFill>
+                <a:latin typeface="Palatino Linotype" panose="02040502050505030304" pitchFamily="18" charset="0"/>
+                <a:cs typeface="Palace Script MT" panose="020F0502020204030204" pitchFamily="34" charset="0"/>
+              </a:rPr>
+              <a:t>&amp;</a:t>
+            </a:r>
+            <a:r>
+              <a:rPr lang="zh-CN" altLang="en-US" sz="2300" dirty="0">
+                <a:solidFill>
+                  <a:schemeClr val="bg2">
+                    <a:lumMod val="25000"/>
+                  </a:schemeClr>
+                </a:solidFill>
+                <a:latin typeface="Palatino Linotype" panose="02040502050505030304" pitchFamily="18" charset="0"/>
+                <a:cs typeface="Palace Script MT" panose="020F0502020204030204" pitchFamily="34" charset="0"/>
+              </a:rPr>
+              <a:t> </a:t>
+            </a:r>
+            <a:r>
+              <a:rPr lang="en-US" altLang="zh-CN" sz="2300" dirty="0">
+                <a:solidFill>
+                  <a:schemeClr val="bg2">
+                    <a:lumMod val="25000"/>
+                  </a:schemeClr>
+                </a:solidFill>
+                <a:latin typeface="Palatino Linotype" panose="02040502050505030304" pitchFamily="18" charset="0"/>
+                <a:cs typeface="Palace Script MT" panose="020F0502020204030204" pitchFamily="34" charset="0"/>
+              </a:rPr>
+              <a:t>music</a:t>
+            </a:r>
+            <a:r>
+              <a:rPr lang="zh-CN" altLang="en-US" sz="2300" dirty="0">
+                <a:solidFill>
+                  <a:schemeClr val="bg2">
+                    <a:lumMod val="25000"/>
+                  </a:schemeClr>
+                </a:solidFill>
+                <a:latin typeface="Palatino Linotype" panose="02040502050505030304" pitchFamily="18" charset="0"/>
+                <a:cs typeface="Palace Script MT" panose="020F0502020204030204" pitchFamily="34" charset="0"/>
+              </a:rPr>
+              <a:t> </a:t>
+            </a:r>
+            <a:r>
+              <a:rPr lang="en-US" altLang="zh-CN" sz="2300" dirty="0">
+                <a:solidFill>
+                  <a:schemeClr val="bg2">
+                    <a:lumMod val="25000"/>
+                  </a:schemeClr>
+                </a:solidFill>
+                <a:latin typeface="Palatino Linotype" panose="02040502050505030304" pitchFamily="18" charset="0"/>
+                <a:cs typeface="Palace Script MT" panose="020F0502020204030204" pitchFamily="34" charset="0"/>
+              </a:rPr>
+              <a:t>theory</a:t>
+            </a:r>
+            <a:r>
+              <a:rPr lang="zh-CN" altLang="en-US" sz="2300" dirty="0">
+                <a:solidFill>
+                  <a:schemeClr val="bg2">
+                    <a:lumMod val="25000"/>
+                  </a:schemeClr>
+                </a:solidFill>
+                <a:latin typeface="Palatino Linotype" panose="02040502050505030304" pitchFamily="18" charset="0"/>
+                <a:cs typeface="Palace Script MT" panose="020F0502020204030204" pitchFamily="34" charset="0"/>
+              </a:rPr>
+              <a:t> </a:t>
+            </a:r>
+            <a:r>
+              <a:rPr lang="en-US" altLang="zh-CN" sz="2300" dirty="0">
+                <a:solidFill>
+                  <a:schemeClr val="bg2">
+                    <a:lumMod val="25000"/>
+                  </a:schemeClr>
+                </a:solidFill>
+                <a:latin typeface="Palatino Linotype" panose="02040502050505030304" pitchFamily="18" charset="0"/>
+                <a:cs typeface="Palace Script MT" panose="020F0502020204030204" pitchFamily="34" charset="0"/>
+              </a:rPr>
+              <a:t>knowledge,</a:t>
+            </a:r>
+            <a:r>
+              <a:rPr lang="zh-CN" altLang="en-US" sz="2300" dirty="0">
+                <a:solidFill>
+                  <a:schemeClr val="bg2">
+                    <a:lumMod val="25000"/>
+                  </a:schemeClr>
+                </a:solidFill>
+                <a:latin typeface="Palatino Linotype" panose="02040502050505030304" pitchFamily="18" charset="0"/>
+                <a:cs typeface="Palace Script MT" panose="020F0502020204030204" pitchFamily="34" charset="0"/>
+              </a:rPr>
+              <a:t> </a:t>
+            </a:r>
+            <a:r>
+              <a:rPr lang="en-US" altLang="zh-CN" sz="2300" dirty="0">
+                <a:solidFill>
+                  <a:schemeClr val="bg2">
+                    <a:lumMod val="25000"/>
+                  </a:schemeClr>
+                </a:solidFill>
+                <a:latin typeface="Palatino Linotype" panose="02040502050505030304" pitchFamily="18" charset="0"/>
+                <a:cs typeface="Palace Script MT" panose="020F0502020204030204" pitchFamily="34" charset="0"/>
+              </a:rPr>
+              <a:t>relatively</a:t>
+            </a:r>
+            <a:r>
+              <a:rPr lang="zh-CN" altLang="en-US" sz="2300" dirty="0">
+                <a:solidFill>
+                  <a:schemeClr val="bg2">
+                    <a:lumMod val="25000"/>
+                  </a:schemeClr>
+                </a:solidFill>
+                <a:latin typeface="Palatino Linotype" panose="02040502050505030304" pitchFamily="18" charset="0"/>
+                <a:cs typeface="Palace Script MT" panose="020F0502020204030204" pitchFamily="34" charset="0"/>
+              </a:rPr>
+              <a:t> </a:t>
+            </a:r>
+            <a:r>
+              <a:rPr lang="en-US" altLang="zh-CN" sz="2300" dirty="0">
+                <a:solidFill>
+                  <a:schemeClr val="bg2">
+                    <a:lumMod val="25000"/>
+                  </a:schemeClr>
+                </a:solidFill>
+                <a:latin typeface="Palatino Linotype" panose="02040502050505030304" pitchFamily="18" charset="0"/>
+                <a:cs typeface="Palace Script MT" panose="020F0502020204030204" pitchFamily="34" charset="0"/>
+              </a:rPr>
+              <a:t>accurate)</a:t>
+            </a:r>
+          </a:p>
+          <a:p>
+            <a:pPr marL="800100" lvl="1" indent="-342900">
               <a:lnSpc>
                 <a:spcPct val="150000"/>
               </a:lnSpc>
@@ -5353,18 +5693,309 @@
                   <a:lumOff val="40000"/>
                 </a:schemeClr>
               </a:buClr>
-              <a:buFont typeface="Wingdings" pitchFamily="2" charset="2"/>
-              <a:buChar char="§"/>
+              <a:buFontTx/>
+              <a:buChar char="-"/>
             </a:pPr>
-            <a:endParaRPr lang="en-US" altLang="zh-CN" sz="2600" b="1" dirty="0">
-              <a:solidFill>
-                <a:schemeClr val="bg2">
-                  <a:lumMod val="25000"/>
-                </a:schemeClr>
-              </a:solidFill>
-              <a:latin typeface="Palatino Linotype" panose="02040502050505030304" pitchFamily="18" charset="0"/>
-              <a:cs typeface="Palace Script MT" panose="020F0502020204030204" pitchFamily="34" charset="0"/>
-            </a:endParaRPr>
+            <a:r>
+              <a:rPr lang="en-US" altLang="zh-CN" sz="2300" dirty="0">
+                <a:solidFill>
+                  <a:schemeClr val="bg2">
+                    <a:lumMod val="25000"/>
+                  </a:schemeClr>
+                </a:solidFill>
+                <a:latin typeface="Palatino Linotype" panose="02040502050505030304" pitchFamily="18" charset="0"/>
+                <a:cs typeface="Palace Script MT" panose="020F0502020204030204" pitchFamily="34" charset="0"/>
+              </a:rPr>
+              <a:t>Automatic</a:t>
+            </a:r>
+            <a:r>
+              <a:rPr lang="zh-CN" altLang="en-US" sz="2300" dirty="0">
+                <a:solidFill>
+                  <a:schemeClr val="bg2">
+                    <a:lumMod val="25000"/>
+                  </a:schemeClr>
+                </a:solidFill>
+                <a:latin typeface="Palatino Linotype" panose="02040502050505030304" pitchFamily="18" charset="0"/>
+                <a:cs typeface="Palace Script MT" panose="020F0502020204030204" pitchFamily="34" charset="0"/>
+              </a:rPr>
+              <a:t> </a:t>
+            </a:r>
+            <a:r>
+              <a:rPr lang="en-US" altLang="zh-CN" sz="2300" dirty="0">
+                <a:solidFill>
+                  <a:schemeClr val="bg2">
+                    <a:lumMod val="25000"/>
+                  </a:schemeClr>
+                </a:solidFill>
+                <a:latin typeface="Palatino Linotype" panose="02040502050505030304" pitchFamily="18" charset="0"/>
+                <a:cs typeface="Palace Script MT" panose="020F0502020204030204" pitchFamily="34" charset="0"/>
+              </a:rPr>
+              <a:t>Transcript</a:t>
+            </a:r>
+            <a:r>
+              <a:rPr lang="zh-CN" altLang="en-US" sz="2300" dirty="0">
+                <a:solidFill>
+                  <a:schemeClr val="bg2">
+                    <a:lumMod val="25000"/>
+                  </a:schemeClr>
+                </a:solidFill>
+                <a:latin typeface="Palatino Linotype" panose="02040502050505030304" pitchFamily="18" charset="0"/>
+                <a:cs typeface="Palace Script MT" panose="020F0502020204030204" pitchFamily="34" charset="0"/>
+              </a:rPr>
+              <a:t> </a:t>
+            </a:r>
+            <a:r>
+              <a:rPr lang="en-US" altLang="zh-CN" sz="2300" dirty="0">
+                <a:solidFill>
+                  <a:schemeClr val="bg2">
+                    <a:lumMod val="25000"/>
+                  </a:schemeClr>
+                </a:solidFill>
+                <a:latin typeface="Palatino Linotype" panose="02040502050505030304" pitchFamily="18" charset="0"/>
+                <a:cs typeface="Palace Script MT" panose="020F0502020204030204" pitchFamily="34" charset="0"/>
+              </a:rPr>
+              <a:t>(mostly</a:t>
+            </a:r>
+            <a:r>
+              <a:rPr lang="zh-CN" altLang="en-US" sz="2300" dirty="0">
+                <a:solidFill>
+                  <a:schemeClr val="bg2">
+                    <a:lumMod val="25000"/>
+                  </a:schemeClr>
+                </a:solidFill>
+                <a:latin typeface="Palatino Linotype" panose="02040502050505030304" pitchFamily="18" charset="0"/>
+                <a:cs typeface="Palace Script MT" panose="020F0502020204030204" pitchFamily="34" charset="0"/>
+              </a:rPr>
+              <a:t> </a:t>
+            </a:r>
+            <a:r>
+              <a:rPr lang="en-US" altLang="zh-CN" sz="2300" dirty="0">
+                <a:solidFill>
+                  <a:schemeClr val="bg2">
+                    <a:lumMod val="25000"/>
+                  </a:schemeClr>
+                </a:solidFill>
+                <a:latin typeface="Palatino Linotype" panose="02040502050505030304" pitchFamily="18" charset="0"/>
+                <a:cs typeface="Palace Script MT" panose="020F0502020204030204" pitchFamily="34" charset="0"/>
+              </a:rPr>
+              <a:t>based</a:t>
+            </a:r>
+            <a:r>
+              <a:rPr lang="zh-CN" altLang="en-US" sz="2300" dirty="0">
+                <a:solidFill>
+                  <a:schemeClr val="bg2">
+                    <a:lumMod val="25000"/>
+                  </a:schemeClr>
+                </a:solidFill>
+                <a:latin typeface="Palatino Linotype" panose="02040502050505030304" pitchFamily="18" charset="0"/>
+                <a:cs typeface="Palace Script MT" panose="020F0502020204030204" pitchFamily="34" charset="0"/>
+              </a:rPr>
+              <a:t> </a:t>
+            </a:r>
+            <a:r>
+              <a:rPr lang="en-US" altLang="zh-CN" sz="2300" dirty="0">
+                <a:solidFill>
+                  <a:schemeClr val="bg2">
+                    <a:lumMod val="25000"/>
+                  </a:schemeClr>
+                </a:solidFill>
+                <a:latin typeface="Palatino Linotype" panose="02040502050505030304" pitchFamily="18" charset="0"/>
+                <a:cs typeface="Palace Script MT" panose="020F0502020204030204" pitchFamily="34" charset="0"/>
+              </a:rPr>
+              <a:t>on</a:t>
+            </a:r>
+            <a:r>
+              <a:rPr lang="zh-CN" altLang="en-US" sz="2300" dirty="0">
+                <a:solidFill>
+                  <a:schemeClr val="bg2">
+                    <a:lumMod val="25000"/>
+                  </a:schemeClr>
+                </a:solidFill>
+                <a:latin typeface="Palatino Linotype" panose="02040502050505030304" pitchFamily="18" charset="0"/>
+                <a:cs typeface="Palace Script MT" panose="020F0502020204030204" pitchFamily="34" charset="0"/>
+              </a:rPr>
+              <a:t> </a:t>
+            </a:r>
+            <a:r>
+              <a:rPr lang="en-US" altLang="zh-CN" sz="2300" dirty="0">
+                <a:solidFill>
+                  <a:schemeClr val="bg2">
+                    <a:lumMod val="25000"/>
+                  </a:schemeClr>
+                </a:solidFill>
+                <a:latin typeface="Palatino Linotype" panose="02040502050505030304" pitchFamily="18" charset="0"/>
+                <a:cs typeface="Palace Script MT" panose="020F0502020204030204" pitchFamily="34" charset="0"/>
+              </a:rPr>
+              <a:t>audio</a:t>
+            </a:r>
+            <a:r>
+              <a:rPr lang="zh-CN" altLang="en-US" sz="2300" dirty="0">
+                <a:solidFill>
+                  <a:schemeClr val="bg2">
+                    <a:lumMod val="25000"/>
+                  </a:schemeClr>
+                </a:solidFill>
+                <a:latin typeface="Palatino Linotype" panose="02040502050505030304" pitchFamily="18" charset="0"/>
+                <a:cs typeface="Palace Script MT" panose="020F0502020204030204" pitchFamily="34" charset="0"/>
+              </a:rPr>
+              <a:t> </a:t>
+            </a:r>
+            <a:r>
+              <a:rPr lang="en-US" altLang="zh-CN" sz="2300" dirty="0">
+                <a:solidFill>
+                  <a:schemeClr val="bg2">
+                    <a:lumMod val="25000"/>
+                  </a:schemeClr>
+                </a:solidFill>
+                <a:latin typeface="Palatino Linotype" panose="02040502050505030304" pitchFamily="18" charset="0"/>
+                <a:cs typeface="Palace Script MT" panose="020F0502020204030204" pitchFamily="34" charset="0"/>
+              </a:rPr>
+              <a:t>analysis,</a:t>
+            </a:r>
+            <a:r>
+              <a:rPr lang="zh-CN" altLang="en-US" sz="2300" dirty="0">
+                <a:solidFill>
+                  <a:schemeClr val="bg2">
+                    <a:lumMod val="25000"/>
+                  </a:schemeClr>
+                </a:solidFill>
+                <a:latin typeface="Palatino Linotype" panose="02040502050505030304" pitchFamily="18" charset="0"/>
+                <a:cs typeface="Palace Script MT" panose="020F0502020204030204" pitchFamily="34" charset="0"/>
+              </a:rPr>
+              <a:t> </a:t>
+            </a:r>
+            <a:r>
+              <a:rPr lang="en-US" altLang="zh-CN" sz="2300" dirty="0">
+                <a:solidFill>
+                  <a:schemeClr val="bg2">
+                    <a:lumMod val="25000"/>
+                  </a:schemeClr>
+                </a:solidFill>
+                <a:latin typeface="Palatino Linotype" panose="02040502050505030304" pitchFamily="18" charset="0"/>
+                <a:cs typeface="Palace Script MT" panose="020F0502020204030204" pitchFamily="34" charset="0"/>
+              </a:rPr>
+              <a:t>no</a:t>
+            </a:r>
+            <a:r>
+              <a:rPr lang="zh-CN" altLang="en-US" sz="2300" dirty="0">
+                <a:solidFill>
+                  <a:schemeClr val="bg2">
+                    <a:lumMod val="25000"/>
+                  </a:schemeClr>
+                </a:solidFill>
+                <a:latin typeface="Palatino Linotype" panose="02040502050505030304" pitchFamily="18" charset="0"/>
+                <a:cs typeface="Palace Script MT" panose="020F0502020204030204" pitchFamily="34" charset="0"/>
+              </a:rPr>
+              <a:t> </a:t>
+            </a:r>
+            <a:r>
+              <a:rPr lang="en-US" altLang="zh-CN" sz="2300" dirty="0">
+                <a:solidFill>
+                  <a:schemeClr val="bg2">
+                    <a:lumMod val="25000"/>
+                  </a:schemeClr>
+                </a:solidFill>
+                <a:latin typeface="Palatino Linotype" panose="02040502050505030304" pitchFamily="18" charset="0"/>
+                <a:cs typeface="Palace Script MT" panose="020F0502020204030204" pitchFamily="34" charset="0"/>
+              </a:rPr>
+              <a:t>mature</a:t>
+            </a:r>
+            <a:r>
+              <a:rPr lang="zh-CN" altLang="en-US" sz="2300" dirty="0">
+                <a:solidFill>
+                  <a:schemeClr val="bg2">
+                    <a:lumMod val="25000"/>
+                  </a:schemeClr>
+                </a:solidFill>
+                <a:latin typeface="Palatino Linotype" panose="02040502050505030304" pitchFamily="18" charset="0"/>
+                <a:cs typeface="Palace Script MT" panose="020F0502020204030204" pitchFamily="34" charset="0"/>
+              </a:rPr>
+              <a:t> </a:t>
+            </a:r>
+            <a:r>
+              <a:rPr lang="en-US" altLang="zh-CN" sz="2300" dirty="0">
+                <a:solidFill>
+                  <a:schemeClr val="bg2">
+                    <a:lumMod val="25000"/>
+                  </a:schemeClr>
+                </a:solidFill>
+                <a:latin typeface="Palatino Linotype" panose="02040502050505030304" pitchFamily="18" charset="0"/>
+                <a:cs typeface="Palace Script MT" panose="020F0502020204030204" pitchFamily="34" charset="0"/>
+              </a:rPr>
+              <a:t>product</a:t>
+            </a:r>
+            <a:r>
+              <a:rPr lang="zh-CN" altLang="en-US" sz="2300" dirty="0">
+                <a:solidFill>
+                  <a:schemeClr val="bg2">
+                    <a:lumMod val="25000"/>
+                  </a:schemeClr>
+                </a:solidFill>
+                <a:latin typeface="Palatino Linotype" panose="02040502050505030304" pitchFamily="18" charset="0"/>
+                <a:cs typeface="Palace Script MT" panose="020F0502020204030204" pitchFamily="34" charset="0"/>
+              </a:rPr>
+              <a:t> </a:t>
+            </a:r>
+            <a:r>
+              <a:rPr lang="en-US" altLang="zh-CN" sz="2300" dirty="0">
+                <a:solidFill>
+                  <a:schemeClr val="bg2">
+                    <a:lumMod val="25000"/>
+                  </a:schemeClr>
+                </a:solidFill>
+                <a:latin typeface="Palatino Linotype" panose="02040502050505030304" pitchFamily="18" charset="0"/>
+                <a:cs typeface="Palace Script MT" panose="020F0502020204030204" pitchFamily="34" charset="0"/>
+              </a:rPr>
+              <a:t>in</a:t>
+            </a:r>
+            <a:r>
+              <a:rPr lang="zh-CN" altLang="en-US" sz="2300" dirty="0">
+                <a:solidFill>
+                  <a:schemeClr val="bg2">
+                    <a:lumMod val="25000"/>
+                  </a:schemeClr>
+                </a:solidFill>
+                <a:latin typeface="Palatino Linotype" panose="02040502050505030304" pitchFamily="18" charset="0"/>
+                <a:cs typeface="Palace Script MT" panose="020F0502020204030204" pitchFamily="34" charset="0"/>
+              </a:rPr>
+              <a:t> </a:t>
+            </a:r>
+            <a:r>
+              <a:rPr lang="en-US" altLang="zh-CN" sz="2300" dirty="0">
+                <a:solidFill>
+                  <a:schemeClr val="bg2">
+                    <a:lumMod val="25000"/>
+                  </a:schemeClr>
+                </a:solidFill>
+                <a:latin typeface="Palatino Linotype" panose="02040502050505030304" pitchFamily="18" charset="0"/>
+                <a:cs typeface="Palace Script MT" panose="020F0502020204030204" pitchFamily="34" charset="0"/>
+              </a:rPr>
+              <a:t>the</a:t>
+            </a:r>
+            <a:r>
+              <a:rPr lang="zh-CN" altLang="en-US" sz="2300" dirty="0">
+                <a:solidFill>
+                  <a:schemeClr val="bg2">
+                    <a:lumMod val="25000"/>
+                  </a:schemeClr>
+                </a:solidFill>
+                <a:latin typeface="Palatino Linotype" panose="02040502050505030304" pitchFamily="18" charset="0"/>
+                <a:cs typeface="Palace Script MT" panose="020F0502020204030204" pitchFamily="34" charset="0"/>
+              </a:rPr>
+              <a:t> </a:t>
+            </a:r>
+            <a:r>
+              <a:rPr lang="en-US" altLang="zh-CN" sz="2300" dirty="0">
+                <a:solidFill>
+                  <a:schemeClr val="bg2">
+                    <a:lumMod val="25000"/>
+                  </a:schemeClr>
+                </a:solidFill>
+                <a:latin typeface="Palatino Linotype" panose="02040502050505030304" pitchFamily="18" charset="0"/>
+                <a:cs typeface="Palace Script MT" panose="020F0502020204030204" pitchFamily="34" charset="0"/>
+              </a:rPr>
+              <a:t>market)</a:t>
+            </a:r>
           </a:p>
           <a:p>
             <a:pPr marL="342900" indent="-342900" algn="l">
@@ -5420,6 +6051,2142 @@
     <p:extLst>
       <p:ext uri="{BB962C8B-B14F-4D97-AF65-F5344CB8AC3E}">
         <p14:creationId xmlns:p14="http://schemas.microsoft.com/office/powerpoint/2010/main" val="1816107393"/>
+      </p:ext>
+    </p:extLst>
+  </p:cSld>
+  <p:clrMapOvr>
+    <a:masterClrMapping/>
+  </p:clrMapOvr>
+</p:sld>
+</file>
+
+<file path=ppt/slides/slide3.xml><?xml version="1.0" encoding="utf-8"?>
+<p:sld xmlns:a="http://schemas.openxmlformats.org/drawingml/2006/main" xmlns:r="http://schemas.openxmlformats.org/officeDocument/2006/relationships" xmlns:p="http://schemas.openxmlformats.org/presentationml/2006/main">
+  <p:cSld>
+    <p:spTree>
+      <p:nvGrpSpPr>
+        <p:cNvPr id="1" name=""/>
+        <p:cNvGrpSpPr/>
+        <p:nvPr/>
+      </p:nvGrpSpPr>
+      <p:grpSpPr>
+        <a:xfrm>
+          <a:off x="0" y="0"/>
+          <a:ext cx="0" cy="0"/>
+          <a:chOff x="0" y="0"/>
+          <a:chExt cx="0" cy="0"/>
+        </a:xfrm>
+      </p:grpSpPr>
+      <p:sp>
+        <p:nvSpPr>
+          <p:cNvPr id="11" name="Rectangle 10">
+            <a:extLst>
+              <a:ext uri="{FF2B5EF4-FFF2-40B4-BE49-F238E27FC236}">
+                <a16:creationId xmlns:a16="http://schemas.microsoft.com/office/drawing/2014/main" id="{BABC9684-7FCC-4147-BC21-5B8099D9E9B7}"/>
+              </a:ext>
+            </a:extLst>
+          </p:cNvPr>
+          <p:cNvSpPr/>
+          <p:nvPr/>
+        </p:nvSpPr>
+        <p:spPr>
+          <a:xfrm>
+            <a:off x="0" y="1"/>
+            <a:ext cx="12192000" cy="849085"/>
+          </a:xfrm>
+          <a:prstGeom prst="rect">
+            <a:avLst/>
+          </a:prstGeom>
+          <a:solidFill>
+            <a:schemeClr val="accent5">
+              <a:lumMod val="60000"/>
+              <a:lumOff val="40000"/>
+            </a:schemeClr>
+          </a:solidFill>
+          <a:ln>
+            <a:noFill/>
+          </a:ln>
+          <a:effectLst>
+            <a:outerShdw blurRad="50800" dist="38100" dir="2700000" algn="tl" rotWithShape="0">
+              <a:prstClr val="black">
+                <a:alpha val="40000"/>
+              </a:prstClr>
+            </a:outerShdw>
+          </a:effectLst>
+        </p:spPr>
+        <p:style>
+          <a:lnRef idx="0">
+            <a:scrgbClr r="0" g="0" b="0"/>
+          </a:lnRef>
+          <a:fillRef idx="0">
+            <a:scrgbClr r="0" g="0" b="0"/>
+          </a:fillRef>
+          <a:effectRef idx="0">
+            <a:scrgbClr r="0" g="0" b="0"/>
+          </a:effectRef>
+          <a:fontRef idx="minor">
+            <a:schemeClr val="lt1"/>
+          </a:fontRef>
+        </p:style>
+        <p:txBody>
+          <a:bodyPr rtlCol="0" anchor="ctr"/>
+          <a:lstStyle/>
+          <a:p>
+            <a:pPr algn="ctr"/>
+            <a:endParaRPr lang="en-US" sz="5000">
+              <a:solidFill>
+                <a:schemeClr val="accent2">
+                  <a:lumMod val="60000"/>
+                  <a:lumOff val="40000"/>
+                </a:schemeClr>
+              </a:solidFill>
+            </a:endParaRPr>
+          </a:p>
+        </p:txBody>
+      </p:sp>
+      <p:sp>
+        <p:nvSpPr>
+          <p:cNvPr id="23" name="Title 14">
+            <a:extLst>
+              <a:ext uri="{FF2B5EF4-FFF2-40B4-BE49-F238E27FC236}">
+                <a16:creationId xmlns:a16="http://schemas.microsoft.com/office/drawing/2014/main" id="{4E67F11E-75B5-1541-9CC6-803F59AB74B8}"/>
+              </a:ext>
+            </a:extLst>
+          </p:cNvPr>
+          <p:cNvSpPr txBox="1">
+            <a:spLocks/>
+          </p:cNvSpPr>
+          <p:nvPr/>
+        </p:nvSpPr>
+        <p:spPr>
+          <a:xfrm>
+            <a:off x="239475" y="148188"/>
+            <a:ext cx="4152910" cy="585367"/>
+          </a:xfrm>
+          <a:prstGeom prst="rect">
+            <a:avLst/>
+          </a:prstGeom>
+          <a:effectLst/>
+        </p:spPr>
+        <p:txBody>
+          <a:bodyPr vert="horz" lIns="91440" tIns="45720" rIns="91440" bIns="45720" rtlCol="0" anchor="b">
+            <a:noAutofit/>
+          </a:bodyPr>
+          <a:lstStyle>
+            <a:lvl1pPr algn="ctr" defTabSz="914400" rtl="0" eaLnBrk="1" latinLnBrk="0" hangingPunct="1">
+              <a:lnSpc>
+                <a:spcPct val="90000"/>
+              </a:lnSpc>
+              <a:spcBef>
+                <a:spcPct val="0"/>
+              </a:spcBef>
+              <a:buNone/>
+              <a:defRPr sz="6000" kern="1200">
+                <a:solidFill>
+                  <a:schemeClr val="tx1"/>
+                </a:solidFill>
+                <a:latin typeface="+mj-lt"/>
+                <a:ea typeface="+mj-ea"/>
+                <a:cs typeface="+mj-cs"/>
+              </a:defRPr>
+            </a:lvl1pPr>
+          </a:lstStyle>
+          <a:p>
+            <a:pPr algn="l"/>
+            <a:r>
+              <a:rPr lang="en-US" altLang="zh-CN" sz="3600" b="1" dirty="0">
+                <a:solidFill>
+                  <a:schemeClr val="bg2">
+                    <a:lumMod val="25000"/>
+                  </a:schemeClr>
+                </a:solidFill>
+                <a:latin typeface="Palatino Linotype" panose="02040502050505030304" pitchFamily="18" charset="0"/>
+                <a:cs typeface="Palace Script MT" panose="020F0502020204030204" pitchFamily="34" charset="0"/>
+              </a:rPr>
+              <a:t>Problem</a:t>
+            </a:r>
+            <a:r>
+              <a:rPr lang="zh-CN" altLang="en-US" sz="3600" b="1" dirty="0">
+                <a:solidFill>
+                  <a:schemeClr val="bg2">
+                    <a:lumMod val="25000"/>
+                  </a:schemeClr>
+                </a:solidFill>
+                <a:latin typeface="Palatino Linotype" panose="02040502050505030304" pitchFamily="18" charset="0"/>
+                <a:cs typeface="Palace Script MT" panose="020F0502020204030204" pitchFamily="34" charset="0"/>
+              </a:rPr>
+              <a:t> </a:t>
+            </a:r>
+            <a:r>
+              <a:rPr lang="en-US" altLang="zh-CN" sz="3600" b="1" dirty="0">
+                <a:solidFill>
+                  <a:schemeClr val="bg2">
+                    <a:lumMod val="25000"/>
+                  </a:schemeClr>
+                </a:solidFill>
+                <a:latin typeface="Palatino Linotype" panose="02040502050505030304" pitchFamily="18" charset="0"/>
+                <a:cs typeface="Palace Script MT" panose="020F0502020204030204" pitchFamily="34" charset="0"/>
+              </a:rPr>
+              <a:t>Overview</a:t>
+            </a:r>
+            <a:endParaRPr lang="en-US" sz="3600" b="1" dirty="0">
+              <a:solidFill>
+                <a:schemeClr val="bg2">
+                  <a:lumMod val="25000"/>
+                </a:schemeClr>
+              </a:solidFill>
+              <a:latin typeface="Palatino Linotype" panose="02040502050505030304" pitchFamily="18" charset="0"/>
+              <a:cs typeface="Palace Script MT" panose="020F0502020204030204" pitchFamily="34" charset="0"/>
+            </a:endParaRPr>
+          </a:p>
+        </p:txBody>
+      </p:sp>
+      <p:sp>
+        <p:nvSpPr>
+          <p:cNvPr id="26" name="Rectangle 25">
+            <a:extLst>
+              <a:ext uri="{FF2B5EF4-FFF2-40B4-BE49-F238E27FC236}">
+                <a16:creationId xmlns:a16="http://schemas.microsoft.com/office/drawing/2014/main" id="{FC02D533-805F-9345-A9F6-CABFD4A269E3}"/>
+              </a:ext>
+            </a:extLst>
+          </p:cNvPr>
+          <p:cNvSpPr/>
+          <p:nvPr/>
+        </p:nvSpPr>
+        <p:spPr>
+          <a:xfrm>
+            <a:off x="-16329" y="6498768"/>
+            <a:ext cx="10499272" cy="359232"/>
+          </a:xfrm>
+          <a:prstGeom prst="rect">
+            <a:avLst/>
+          </a:prstGeom>
+          <a:solidFill>
+            <a:schemeClr val="accent5">
+              <a:lumMod val="60000"/>
+              <a:lumOff val="40000"/>
+            </a:schemeClr>
+          </a:solidFill>
+          <a:ln>
+            <a:noFill/>
+          </a:ln>
+          <a:effectLst>
+            <a:outerShdw blurRad="50800" dist="38100" dir="2700000" algn="tl" rotWithShape="0">
+              <a:prstClr val="black">
+                <a:alpha val="40000"/>
+              </a:prstClr>
+            </a:outerShdw>
+          </a:effectLst>
+        </p:spPr>
+        <p:style>
+          <a:lnRef idx="0">
+            <a:scrgbClr r="0" g="0" b="0"/>
+          </a:lnRef>
+          <a:fillRef idx="0">
+            <a:scrgbClr r="0" g="0" b="0"/>
+          </a:fillRef>
+          <a:effectRef idx="0">
+            <a:scrgbClr r="0" g="0" b="0"/>
+          </a:effectRef>
+          <a:fontRef idx="minor">
+            <a:schemeClr val="lt1"/>
+          </a:fontRef>
+        </p:style>
+        <p:txBody>
+          <a:bodyPr rtlCol="0" anchor="ctr"/>
+          <a:lstStyle/>
+          <a:p>
+            <a:pPr algn="ctr"/>
+            <a:endParaRPr lang="en-US" sz="5000" dirty="0">
+              <a:solidFill>
+                <a:schemeClr val="accent2">
+                  <a:lumMod val="60000"/>
+                  <a:lumOff val="40000"/>
+                </a:schemeClr>
+              </a:solidFill>
+              <a:latin typeface="Palatino Linotype" panose="02040502050505030304" pitchFamily="18" charset="0"/>
+            </a:endParaRPr>
+          </a:p>
+        </p:txBody>
+      </p:sp>
+      <p:sp>
+        <p:nvSpPr>
+          <p:cNvPr id="35" name="Rectangle 34">
+            <a:extLst>
+              <a:ext uri="{FF2B5EF4-FFF2-40B4-BE49-F238E27FC236}">
+                <a16:creationId xmlns:a16="http://schemas.microsoft.com/office/drawing/2014/main" id="{36C5A9D5-DEBB-1349-98EE-D022D2352F0A}"/>
+              </a:ext>
+            </a:extLst>
+          </p:cNvPr>
+          <p:cNvSpPr/>
+          <p:nvPr/>
+        </p:nvSpPr>
+        <p:spPr>
+          <a:xfrm>
+            <a:off x="10482943" y="6498768"/>
+            <a:ext cx="1709057" cy="359231"/>
+          </a:xfrm>
+          <a:prstGeom prst="rect">
+            <a:avLst/>
+          </a:prstGeom>
+          <a:solidFill>
+            <a:schemeClr val="accent5">
+              <a:lumMod val="40000"/>
+              <a:lumOff val="60000"/>
+            </a:schemeClr>
+          </a:solidFill>
+          <a:ln>
+            <a:noFill/>
+          </a:ln>
+          <a:effectLst>
+            <a:outerShdw blurRad="50800" dist="38100" dir="2700000" algn="tl" rotWithShape="0">
+              <a:prstClr val="black">
+                <a:alpha val="40000"/>
+              </a:prstClr>
+            </a:outerShdw>
+          </a:effectLst>
+        </p:spPr>
+        <p:style>
+          <a:lnRef idx="0">
+            <a:scrgbClr r="0" g="0" b="0"/>
+          </a:lnRef>
+          <a:fillRef idx="0">
+            <a:scrgbClr r="0" g="0" b="0"/>
+          </a:fillRef>
+          <a:effectRef idx="0">
+            <a:scrgbClr r="0" g="0" b="0"/>
+          </a:effectRef>
+          <a:fontRef idx="minor">
+            <a:schemeClr val="lt1"/>
+          </a:fontRef>
+        </p:style>
+        <p:txBody>
+          <a:bodyPr rtlCol="0" anchor="ctr"/>
+          <a:lstStyle/>
+          <a:p>
+            <a:pPr algn="ctr"/>
+            <a:endParaRPr lang="en-US" sz="5000" dirty="0">
+              <a:solidFill>
+                <a:schemeClr val="accent2">
+                  <a:lumMod val="60000"/>
+                  <a:lumOff val="40000"/>
+                </a:schemeClr>
+              </a:solidFill>
+              <a:latin typeface="Palatino Linotype" panose="02040502050505030304" pitchFamily="18" charset="0"/>
+            </a:endParaRPr>
+          </a:p>
+        </p:txBody>
+      </p:sp>
+      <p:sp>
+        <p:nvSpPr>
+          <p:cNvPr id="38" name="Title 14">
+            <a:extLst>
+              <a:ext uri="{FF2B5EF4-FFF2-40B4-BE49-F238E27FC236}">
+                <a16:creationId xmlns:a16="http://schemas.microsoft.com/office/drawing/2014/main" id="{0701FAB5-D685-2A4D-B3CD-1F0B3A351330}"/>
+              </a:ext>
+            </a:extLst>
+          </p:cNvPr>
+          <p:cNvSpPr txBox="1">
+            <a:spLocks/>
+          </p:cNvSpPr>
+          <p:nvPr/>
+        </p:nvSpPr>
+        <p:spPr>
+          <a:xfrm>
+            <a:off x="10605406" y="6498766"/>
+            <a:ext cx="1464129" cy="359233"/>
+          </a:xfrm>
+          <a:prstGeom prst="rect">
+            <a:avLst/>
+          </a:prstGeom>
+          <a:effectLst/>
+        </p:spPr>
+        <p:txBody>
+          <a:bodyPr vert="horz" lIns="91440" tIns="45720" rIns="91440" bIns="45720" rtlCol="0" anchor="b">
+            <a:noAutofit/>
+          </a:bodyPr>
+          <a:lstStyle>
+            <a:lvl1pPr algn="ctr" defTabSz="914400" rtl="0" eaLnBrk="1" latinLnBrk="0" hangingPunct="1">
+              <a:lnSpc>
+                <a:spcPct val="90000"/>
+              </a:lnSpc>
+              <a:spcBef>
+                <a:spcPct val="0"/>
+              </a:spcBef>
+              <a:buNone/>
+              <a:defRPr sz="6000" kern="1200">
+                <a:solidFill>
+                  <a:schemeClr val="tx1"/>
+                </a:solidFill>
+                <a:latin typeface="+mj-lt"/>
+                <a:ea typeface="+mj-ea"/>
+                <a:cs typeface="+mj-cs"/>
+              </a:defRPr>
+            </a:lvl1pPr>
+          </a:lstStyle>
+          <a:p>
+            <a:r>
+              <a:rPr lang="en-US" altLang="zh-CN" sz="1700" b="1" dirty="0">
+                <a:solidFill>
+                  <a:schemeClr val="bg2">
+                    <a:lumMod val="25000"/>
+                  </a:schemeClr>
+                </a:solidFill>
+                <a:latin typeface="Palatino Linotype" panose="02040502050505030304" pitchFamily="18" charset="0"/>
+              </a:rPr>
+              <a:t>May</a:t>
+            </a:r>
+            <a:r>
+              <a:rPr lang="zh-CN" altLang="en-US" sz="1700" b="1" dirty="0">
+                <a:solidFill>
+                  <a:schemeClr val="bg2">
+                    <a:lumMod val="25000"/>
+                  </a:schemeClr>
+                </a:solidFill>
+                <a:latin typeface="Palatino Linotype" panose="02040502050505030304" pitchFamily="18" charset="0"/>
+              </a:rPr>
+              <a:t> </a:t>
+            </a:r>
+            <a:r>
+              <a:rPr lang="en-US" altLang="zh-CN" sz="1700" b="1" dirty="0">
+                <a:solidFill>
+                  <a:schemeClr val="bg2">
+                    <a:lumMod val="25000"/>
+                  </a:schemeClr>
+                </a:solidFill>
+                <a:latin typeface="Palatino Linotype" panose="02040502050505030304" pitchFamily="18" charset="0"/>
+              </a:rPr>
+              <a:t>3,</a:t>
+            </a:r>
+            <a:r>
+              <a:rPr lang="zh-CN" altLang="en-US" sz="1700" b="1" dirty="0">
+                <a:solidFill>
+                  <a:schemeClr val="bg2">
+                    <a:lumMod val="25000"/>
+                  </a:schemeClr>
+                </a:solidFill>
+                <a:latin typeface="Palatino Linotype" panose="02040502050505030304" pitchFamily="18" charset="0"/>
+              </a:rPr>
+              <a:t> </a:t>
+            </a:r>
+            <a:r>
+              <a:rPr lang="en-US" altLang="zh-CN" sz="1700" b="1" dirty="0">
+                <a:solidFill>
+                  <a:schemeClr val="bg2">
+                    <a:lumMod val="25000"/>
+                  </a:schemeClr>
+                </a:solidFill>
+                <a:latin typeface="Palatino Linotype" panose="02040502050505030304" pitchFamily="18" charset="0"/>
+              </a:rPr>
+              <a:t>2019</a:t>
+            </a:r>
+            <a:endParaRPr lang="en-US" sz="1700" b="1" dirty="0">
+              <a:solidFill>
+                <a:schemeClr val="bg2">
+                  <a:lumMod val="25000"/>
+                </a:schemeClr>
+              </a:solidFill>
+              <a:latin typeface="Palatino Linotype" panose="02040502050505030304" pitchFamily="18" charset="0"/>
+            </a:endParaRPr>
+          </a:p>
+        </p:txBody>
+      </p:sp>
+      <p:sp>
+        <p:nvSpPr>
+          <p:cNvPr id="39" name="Title 14">
+            <a:extLst>
+              <a:ext uri="{FF2B5EF4-FFF2-40B4-BE49-F238E27FC236}">
+                <a16:creationId xmlns:a16="http://schemas.microsoft.com/office/drawing/2014/main" id="{09714832-4793-FF4A-B92B-ADFF49FC1E0C}"/>
+              </a:ext>
+            </a:extLst>
+          </p:cNvPr>
+          <p:cNvSpPr txBox="1">
+            <a:spLocks/>
+          </p:cNvSpPr>
+          <p:nvPr/>
+        </p:nvSpPr>
+        <p:spPr>
+          <a:xfrm>
+            <a:off x="1334861" y="6498766"/>
+            <a:ext cx="7796892" cy="359234"/>
+          </a:xfrm>
+          <a:prstGeom prst="rect">
+            <a:avLst/>
+          </a:prstGeom>
+          <a:effectLst/>
+        </p:spPr>
+        <p:txBody>
+          <a:bodyPr vert="horz" lIns="91440" tIns="45720" rIns="91440" bIns="45720" rtlCol="0" anchor="b">
+            <a:noAutofit/>
+          </a:bodyPr>
+          <a:lstStyle>
+            <a:lvl1pPr algn="ctr" defTabSz="914400" rtl="0" eaLnBrk="1" latinLnBrk="0" hangingPunct="1">
+              <a:lnSpc>
+                <a:spcPct val="90000"/>
+              </a:lnSpc>
+              <a:spcBef>
+                <a:spcPct val="0"/>
+              </a:spcBef>
+              <a:buNone/>
+              <a:defRPr sz="6000" kern="1200">
+                <a:solidFill>
+                  <a:schemeClr val="tx1"/>
+                </a:solidFill>
+                <a:latin typeface="+mj-lt"/>
+                <a:ea typeface="+mj-ea"/>
+                <a:cs typeface="+mj-cs"/>
+              </a:defRPr>
+            </a:lvl1pPr>
+          </a:lstStyle>
+          <a:p>
+            <a:r>
+              <a:rPr lang="en-US" altLang="zh-CN" sz="1700" b="1" dirty="0">
+                <a:solidFill>
+                  <a:schemeClr val="bg2">
+                    <a:lumMod val="25000"/>
+                  </a:schemeClr>
+                </a:solidFill>
+                <a:latin typeface="Palatino Linotype" panose="02040502050505030304" pitchFamily="18" charset="0"/>
+              </a:rPr>
+              <a:t>Generating</a:t>
+            </a:r>
+            <a:r>
+              <a:rPr lang="zh-CN" altLang="en-US" sz="1700" b="1" dirty="0">
+                <a:solidFill>
+                  <a:schemeClr val="bg2">
+                    <a:lumMod val="25000"/>
+                  </a:schemeClr>
+                </a:solidFill>
+                <a:latin typeface="Palatino Linotype" panose="02040502050505030304" pitchFamily="18" charset="0"/>
+              </a:rPr>
+              <a:t> </a:t>
+            </a:r>
+            <a:r>
+              <a:rPr lang="en-US" altLang="zh-CN" sz="1700" b="1" dirty="0">
+                <a:solidFill>
+                  <a:schemeClr val="bg2">
+                    <a:lumMod val="25000"/>
+                  </a:schemeClr>
+                </a:solidFill>
+                <a:latin typeface="Palatino Linotype" panose="02040502050505030304" pitchFamily="18" charset="0"/>
+              </a:rPr>
+              <a:t>Audio</a:t>
+            </a:r>
+            <a:r>
+              <a:rPr lang="zh-CN" altLang="en-US" sz="1700" b="1" dirty="0">
+                <a:solidFill>
+                  <a:schemeClr val="bg2">
+                    <a:lumMod val="25000"/>
+                  </a:schemeClr>
+                </a:solidFill>
+                <a:latin typeface="Palatino Linotype" panose="02040502050505030304" pitchFamily="18" charset="0"/>
+              </a:rPr>
+              <a:t> </a:t>
+            </a:r>
+            <a:r>
+              <a:rPr lang="en-US" altLang="zh-CN" sz="1700" b="1" dirty="0">
+                <a:solidFill>
+                  <a:schemeClr val="bg2">
+                    <a:lumMod val="25000"/>
+                  </a:schemeClr>
+                </a:solidFill>
+                <a:latin typeface="Palatino Linotype" panose="02040502050505030304" pitchFamily="18" charset="0"/>
+              </a:rPr>
+              <a:t>for</a:t>
+            </a:r>
+            <a:r>
+              <a:rPr lang="zh-CN" altLang="en-US" sz="1700" b="1" dirty="0">
+                <a:solidFill>
+                  <a:schemeClr val="bg2">
+                    <a:lumMod val="25000"/>
+                  </a:schemeClr>
+                </a:solidFill>
+                <a:latin typeface="Palatino Linotype" panose="02040502050505030304" pitchFamily="18" charset="0"/>
+              </a:rPr>
+              <a:t> </a:t>
+            </a:r>
+            <a:r>
+              <a:rPr lang="en-US" altLang="zh-CN" sz="1700" b="1" dirty="0">
+                <a:solidFill>
+                  <a:schemeClr val="bg2">
+                    <a:lumMod val="25000"/>
+                  </a:schemeClr>
+                </a:solidFill>
+                <a:latin typeface="Palatino Linotype" panose="02040502050505030304" pitchFamily="18" charset="0"/>
+              </a:rPr>
+              <a:t>Muted</a:t>
+            </a:r>
+            <a:r>
+              <a:rPr lang="zh-CN" altLang="en-US" sz="1700" b="1" dirty="0">
+                <a:solidFill>
+                  <a:schemeClr val="bg2">
+                    <a:lumMod val="25000"/>
+                  </a:schemeClr>
+                </a:solidFill>
+                <a:latin typeface="Palatino Linotype" panose="02040502050505030304" pitchFamily="18" charset="0"/>
+              </a:rPr>
+              <a:t> </a:t>
+            </a:r>
+            <a:r>
+              <a:rPr lang="en-US" altLang="zh-CN" sz="1700" b="1" dirty="0">
+                <a:solidFill>
+                  <a:schemeClr val="bg2">
+                    <a:lumMod val="25000"/>
+                  </a:schemeClr>
+                </a:solidFill>
+                <a:latin typeface="Palatino Linotype" panose="02040502050505030304" pitchFamily="18" charset="0"/>
+              </a:rPr>
+              <a:t>Piano-Playing</a:t>
+            </a:r>
+            <a:r>
+              <a:rPr lang="zh-CN" altLang="en-US" sz="1700" b="1" dirty="0">
+                <a:solidFill>
+                  <a:schemeClr val="bg2">
+                    <a:lumMod val="25000"/>
+                  </a:schemeClr>
+                </a:solidFill>
+                <a:latin typeface="Palatino Linotype" panose="02040502050505030304" pitchFamily="18" charset="0"/>
+              </a:rPr>
+              <a:t> </a:t>
+            </a:r>
+            <a:r>
+              <a:rPr lang="en-US" altLang="zh-CN" sz="1700" b="1" dirty="0">
+                <a:solidFill>
+                  <a:schemeClr val="bg2">
+                    <a:lumMod val="25000"/>
+                  </a:schemeClr>
+                </a:solidFill>
+                <a:latin typeface="Palatino Linotype" panose="02040502050505030304" pitchFamily="18" charset="0"/>
+              </a:rPr>
+              <a:t>Video</a:t>
+            </a:r>
+            <a:r>
+              <a:rPr lang="zh-CN" altLang="en-US" sz="1700" b="1" dirty="0">
+                <a:solidFill>
+                  <a:schemeClr val="bg2">
+                    <a:lumMod val="25000"/>
+                  </a:schemeClr>
+                </a:solidFill>
+                <a:latin typeface="Palatino Linotype" panose="02040502050505030304" pitchFamily="18" charset="0"/>
+              </a:rPr>
+              <a:t> </a:t>
+            </a:r>
+            <a:r>
+              <a:rPr lang="en-US" altLang="zh-CN" sz="1700" b="1" dirty="0">
+                <a:solidFill>
+                  <a:schemeClr val="bg2">
+                    <a:lumMod val="25000"/>
+                  </a:schemeClr>
+                </a:solidFill>
+                <a:latin typeface="Palatino Linotype" panose="02040502050505030304" pitchFamily="18" charset="0"/>
+              </a:rPr>
+              <a:t>Using</a:t>
+            </a:r>
+            <a:r>
+              <a:rPr lang="zh-CN" altLang="en-US" sz="1700" b="1" dirty="0">
+                <a:solidFill>
+                  <a:schemeClr val="bg2">
+                    <a:lumMod val="25000"/>
+                  </a:schemeClr>
+                </a:solidFill>
+                <a:latin typeface="Palatino Linotype" panose="02040502050505030304" pitchFamily="18" charset="0"/>
+              </a:rPr>
+              <a:t> </a:t>
+            </a:r>
+            <a:r>
+              <a:rPr lang="en-US" altLang="zh-CN" sz="1700" b="1" dirty="0">
+                <a:solidFill>
+                  <a:schemeClr val="bg2">
+                    <a:lumMod val="25000"/>
+                  </a:schemeClr>
+                </a:solidFill>
+                <a:latin typeface="Palatino Linotype" panose="02040502050505030304" pitchFamily="18" charset="0"/>
+              </a:rPr>
+              <a:t>Deep</a:t>
+            </a:r>
+            <a:r>
+              <a:rPr lang="zh-CN" altLang="en-US" sz="1700" b="1" dirty="0">
+                <a:solidFill>
+                  <a:schemeClr val="bg2">
+                    <a:lumMod val="25000"/>
+                  </a:schemeClr>
+                </a:solidFill>
+                <a:latin typeface="Palatino Linotype" panose="02040502050505030304" pitchFamily="18" charset="0"/>
+              </a:rPr>
+              <a:t> </a:t>
+            </a:r>
+            <a:r>
+              <a:rPr lang="en-US" altLang="zh-CN" sz="1700" b="1" dirty="0">
+                <a:solidFill>
+                  <a:schemeClr val="bg2">
+                    <a:lumMod val="25000"/>
+                  </a:schemeClr>
+                </a:solidFill>
+                <a:latin typeface="Palatino Linotype" panose="02040502050505030304" pitchFamily="18" charset="0"/>
+              </a:rPr>
+              <a:t>Learning</a:t>
+            </a:r>
+            <a:endParaRPr lang="en-US" sz="1700" b="1" dirty="0">
+              <a:solidFill>
+                <a:schemeClr val="bg2">
+                  <a:lumMod val="25000"/>
+                </a:schemeClr>
+              </a:solidFill>
+              <a:latin typeface="Palatino Linotype" panose="02040502050505030304" pitchFamily="18" charset="0"/>
+            </a:endParaRPr>
+          </a:p>
+        </p:txBody>
+      </p:sp>
+      <p:sp>
+        <p:nvSpPr>
+          <p:cNvPr id="40" name="Title 14">
+            <a:extLst>
+              <a:ext uri="{FF2B5EF4-FFF2-40B4-BE49-F238E27FC236}">
+                <a16:creationId xmlns:a16="http://schemas.microsoft.com/office/drawing/2014/main" id="{68382779-1FA3-B04A-91CC-C331896FC812}"/>
+              </a:ext>
+            </a:extLst>
+          </p:cNvPr>
+          <p:cNvSpPr txBox="1">
+            <a:spLocks/>
+          </p:cNvSpPr>
+          <p:nvPr/>
+        </p:nvSpPr>
+        <p:spPr>
+          <a:xfrm>
+            <a:off x="280302" y="1714777"/>
+            <a:ext cx="11631396" cy="3501471"/>
+          </a:xfrm>
+          <a:prstGeom prst="rect">
+            <a:avLst/>
+          </a:prstGeom>
+          <a:effectLst/>
+        </p:spPr>
+        <p:txBody>
+          <a:bodyPr vert="horz" lIns="91440" tIns="45720" rIns="91440" bIns="45720" rtlCol="0" anchor="b">
+            <a:noAutofit/>
+          </a:bodyPr>
+          <a:lstStyle>
+            <a:lvl1pPr algn="ctr" defTabSz="914400" rtl="0" eaLnBrk="1" latinLnBrk="0" hangingPunct="1">
+              <a:lnSpc>
+                <a:spcPct val="90000"/>
+              </a:lnSpc>
+              <a:spcBef>
+                <a:spcPct val="0"/>
+              </a:spcBef>
+              <a:buNone/>
+              <a:defRPr sz="6000" kern="1200">
+                <a:solidFill>
+                  <a:schemeClr val="tx1"/>
+                </a:solidFill>
+                <a:latin typeface="+mj-lt"/>
+                <a:ea typeface="+mj-ea"/>
+                <a:cs typeface="+mj-cs"/>
+              </a:defRPr>
+            </a:lvl1pPr>
+          </a:lstStyle>
+          <a:p>
+            <a:pPr algn="l">
+              <a:lnSpc>
+                <a:spcPct val="150000"/>
+              </a:lnSpc>
+              <a:buClr>
+                <a:schemeClr val="accent5">
+                  <a:lumMod val="60000"/>
+                  <a:lumOff val="40000"/>
+                </a:schemeClr>
+              </a:buClr>
+            </a:pPr>
+            <a:r>
+              <a:rPr lang="en-US" altLang="zh-CN" sz="2600" b="1" dirty="0">
+                <a:solidFill>
+                  <a:schemeClr val="bg2">
+                    <a:lumMod val="25000"/>
+                  </a:schemeClr>
+                </a:solidFill>
+                <a:latin typeface="Palatino Linotype" panose="02040502050505030304" pitchFamily="18" charset="0"/>
+                <a:cs typeface="Palace Script MT" panose="020F0502020204030204" pitchFamily="34" charset="0"/>
+              </a:rPr>
+              <a:t>What</a:t>
+            </a:r>
+            <a:r>
+              <a:rPr lang="zh-CN" altLang="en-US" sz="2600" b="1" dirty="0">
+                <a:solidFill>
+                  <a:schemeClr val="bg2">
+                    <a:lumMod val="25000"/>
+                  </a:schemeClr>
+                </a:solidFill>
+                <a:latin typeface="Palatino Linotype" panose="02040502050505030304" pitchFamily="18" charset="0"/>
+                <a:cs typeface="Palace Script MT" panose="020F0502020204030204" pitchFamily="34" charset="0"/>
+              </a:rPr>
+              <a:t> </a:t>
+            </a:r>
+            <a:r>
+              <a:rPr lang="en-US" altLang="zh-CN" sz="2600" b="1" dirty="0">
+                <a:solidFill>
+                  <a:schemeClr val="bg2">
+                    <a:lumMod val="25000"/>
+                  </a:schemeClr>
+                </a:solidFill>
+                <a:latin typeface="Palatino Linotype" panose="02040502050505030304" pitchFamily="18" charset="0"/>
+                <a:cs typeface="Palace Script MT" panose="020F0502020204030204" pitchFamily="34" charset="0"/>
+              </a:rPr>
+              <a:t>we</a:t>
+            </a:r>
+            <a:r>
+              <a:rPr lang="zh-CN" altLang="en-US" sz="2600" b="1" dirty="0">
+                <a:solidFill>
+                  <a:schemeClr val="bg2">
+                    <a:lumMod val="25000"/>
+                  </a:schemeClr>
+                </a:solidFill>
+                <a:latin typeface="Palatino Linotype" panose="02040502050505030304" pitchFamily="18" charset="0"/>
+                <a:cs typeface="Palace Script MT" panose="020F0502020204030204" pitchFamily="34" charset="0"/>
+              </a:rPr>
+              <a:t> </a:t>
+            </a:r>
+            <a:r>
+              <a:rPr lang="en-US" altLang="zh-CN" sz="2600" b="1" dirty="0">
+                <a:solidFill>
+                  <a:schemeClr val="bg2">
+                    <a:lumMod val="25000"/>
+                  </a:schemeClr>
+                </a:solidFill>
+                <a:latin typeface="Palatino Linotype" panose="02040502050505030304" pitchFamily="18" charset="0"/>
+                <a:cs typeface="Palace Script MT" panose="020F0502020204030204" pitchFamily="34" charset="0"/>
+              </a:rPr>
+              <a:t>want</a:t>
+            </a:r>
+            <a:r>
+              <a:rPr lang="zh-CN" altLang="en-US" sz="2600" b="1" dirty="0">
+                <a:solidFill>
+                  <a:schemeClr val="bg2">
+                    <a:lumMod val="25000"/>
+                  </a:schemeClr>
+                </a:solidFill>
+                <a:latin typeface="Palatino Linotype" panose="02040502050505030304" pitchFamily="18" charset="0"/>
+                <a:cs typeface="Palace Script MT" panose="020F0502020204030204" pitchFamily="34" charset="0"/>
+              </a:rPr>
+              <a:t> </a:t>
+            </a:r>
+            <a:r>
+              <a:rPr lang="en-US" altLang="zh-CN" sz="2600" b="1" dirty="0">
+                <a:solidFill>
+                  <a:schemeClr val="bg2">
+                    <a:lumMod val="25000"/>
+                  </a:schemeClr>
+                </a:solidFill>
+                <a:latin typeface="Palatino Linotype" panose="02040502050505030304" pitchFamily="18" charset="0"/>
+                <a:cs typeface="Palace Script MT" panose="020F0502020204030204" pitchFamily="34" charset="0"/>
+              </a:rPr>
+              <a:t>to</a:t>
+            </a:r>
+            <a:r>
+              <a:rPr lang="zh-CN" altLang="en-US" sz="2600" b="1" dirty="0">
+                <a:solidFill>
+                  <a:schemeClr val="bg2">
+                    <a:lumMod val="25000"/>
+                  </a:schemeClr>
+                </a:solidFill>
+                <a:latin typeface="Palatino Linotype" panose="02040502050505030304" pitchFamily="18" charset="0"/>
+                <a:cs typeface="Palace Script MT" panose="020F0502020204030204" pitchFamily="34" charset="0"/>
+              </a:rPr>
+              <a:t> </a:t>
+            </a:r>
+            <a:r>
+              <a:rPr lang="en-US" altLang="zh-CN" sz="2600" b="1" dirty="0">
+                <a:solidFill>
+                  <a:schemeClr val="bg2">
+                    <a:lumMod val="25000"/>
+                  </a:schemeClr>
+                </a:solidFill>
+                <a:latin typeface="Palatino Linotype" panose="02040502050505030304" pitchFamily="18" charset="0"/>
+                <a:cs typeface="Palace Script MT" panose="020F0502020204030204" pitchFamily="34" charset="0"/>
+              </a:rPr>
+              <a:t>do</a:t>
+            </a:r>
+          </a:p>
+          <a:p>
+            <a:pPr marL="457200" indent="-457200" algn="l">
+              <a:lnSpc>
+                <a:spcPct val="150000"/>
+              </a:lnSpc>
+              <a:buClr>
+                <a:schemeClr val="accent5">
+                  <a:lumMod val="60000"/>
+                  <a:lumOff val="40000"/>
+                </a:schemeClr>
+              </a:buClr>
+              <a:buFontTx/>
+              <a:buChar char="-"/>
+            </a:pPr>
+            <a:r>
+              <a:rPr lang="en-US" altLang="zh-CN" sz="2600" dirty="0">
+                <a:solidFill>
+                  <a:schemeClr val="bg2">
+                    <a:lumMod val="25000"/>
+                  </a:schemeClr>
+                </a:solidFill>
+                <a:latin typeface="Palatino Linotype" panose="02040502050505030304" pitchFamily="18" charset="0"/>
+                <a:cs typeface="Palace Script MT" panose="020F0502020204030204" pitchFamily="34" charset="0"/>
+              </a:rPr>
+              <a:t>Apply</a:t>
+            </a:r>
+            <a:r>
+              <a:rPr lang="zh-CN" altLang="en-US" sz="2600" dirty="0">
+                <a:solidFill>
+                  <a:schemeClr val="bg2">
+                    <a:lumMod val="25000"/>
+                  </a:schemeClr>
+                </a:solidFill>
+                <a:latin typeface="Palatino Linotype" panose="02040502050505030304" pitchFamily="18" charset="0"/>
+                <a:cs typeface="Palace Script MT" panose="020F0502020204030204" pitchFamily="34" charset="0"/>
+              </a:rPr>
+              <a:t> </a:t>
+            </a:r>
+            <a:r>
+              <a:rPr lang="en-US" altLang="zh-CN" sz="2600" dirty="0">
+                <a:solidFill>
+                  <a:schemeClr val="bg2">
+                    <a:lumMod val="25000"/>
+                  </a:schemeClr>
+                </a:solidFill>
+                <a:latin typeface="Palatino Linotype" panose="02040502050505030304" pitchFamily="18" charset="0"/>
+                <a:cs typeface="Palace Script MT" panose="020F0502020204030204" pitchFamily="34" charset="0"/>
+              </a:rPr>
+              <a:t>deep</a:t>
+            </a:r>
+            <a:r>
+              <a:rPr lang="zh-CN" altLang="en-US" sz="2600" dirty="0">
+                <a:solidFill>
+                  <a:schemeClr val="bg2">
+                    <a:lumMod val="25000"/>
+                  </a:schemeClr>
+                </a:solidFill>
+                <a:latin typeface="Palatino Linotype" panose="02040502050505030304" pitchFamily="18" charset="0"/>
+                <a:cs typeface="Palace Script MT" panose="020F0502020204030204" pitchFamily="34" charset="0"/>
+              </a:rPr>
+              <a:t> </a:t>
+            </a:r>
+            <a:r>
+              <a:rPr lang="en-US" altLang="zh-CN" sz="2600" dirty="0">
+                <a:solidFill>
+                  <a:schemeClr val="bg2">
+                    <a:lumMod val="25000"/>
+                  </a:schemeClr>
+                </a:solidFill>
+                <a:latin typeface="Palatino Linotype" panose="02040502050505030304" pitchFamily="18" charset="0"/>
+                <a:cs typeface="Palace Script MT" panose="020F0502020204030204" pitchFamily="34" charset="0"/>
+              </a:rPr>
+              <a:t>learning</a:t>
+            </a:r>
+            <a:r>
+              <a:rPr lang="zh-CN" altLang="en-US" sz="2600" dirty="0">
+                <a:solidFill>
+                  <a:schemeClr val="bg2">
+                    <a:lumMod val="25000"/>
+                  </a:schemeClr>
+                </a:solidFill>
+                <a:latin typeface="Palatino Linotype" panose="02040502050505030304" pitchFamily="18" charset="0"/>
+                <a:cs typeface="Palace Script MT" panose="020F0502020204030204" pitchFamily="34" charset="0"/>
+              </a:rPr>
+              <a:t> </a:t>
+            </a:r>
+            <a:r>
+              <a:rPr lang="en-US" altLang="zh-CN" sz="2600" dirty="0">
+                <a:solidFill>
+                  <a:schemeClr val="bg2">
+                    <a:lumMod val="25000"/>
+                  </a:schemeClr>
+                </a:solidFill>
+                <a:latin typeface="Palatino Linotype" panose="02040502050505030304" pitchFamily="18" charset="0"/>
+                <a:cs typeface="Palace Script MT" panose="020F0502020204030204" pitchFamily="34" charset="0"/>
+              </a:rPr>
+              <a:t>method</a:t>
+            </a:r>
+            <a:r>
+              <a:rPr lang="zh-CN" altLang="en-US" sz="2600" dirty="0">
+                <a:solidFill>
+                  <a:schemeClr val="bg2">
+                    <a:lumMod val="25000"/>
+                  </a:schemeClr>
+                </a:solidFill>
+                <a:latin typeface="Palatino Linotype" panose="02040502050505030304" pitchFamily="18" charset="0"/>
+                <a:cs typeface="Palace Script MT" panose="020F0502020204030204" pitchFamily="34" charset="0"/>
+              </a:rPr>
+              <a:t> </a:t>
+            </a:r>
+            <a:r>
+              <a:rPr lang="en-US" altLang="zh-CN" sz="2600" dirty="0">
+                <a:solidFill>
+                  <a:schemeClr val="bg2">
+                    <a:lumMod val="25000"/>
+                  </a:schemeClr>
+                </a:solidFill>
+                <a:latin typeface="Palatino Linotype" panose="02040502050505030304" pitchFamily="18" charset="0"/>
+                <a:cs typeface="Palace Script MT" panose="020F0502020204030204" pitchFamily="34" charset="0"/>
+              </a:rPr>
+              <a:t>on</a:t>
+            </a:r>
+            <a:r>
+              <a:rPr lang="zh-CN" altLang="en-US" sz="2600" dirty="0">
+                <a:solidFill>
+                  <a:schemeClr val="bg2">
+                    <a:lumMod val="25000"/>
+                  </a:schemeClr>
+                </a:solidFill>
+                <a:latin typeface="Palatino Linotype" panose="02040502050505030304" pitchFamily="18" charset="0"/>
+                <a:cs typeface="Palace Script MT" panose="020F0502020204030204" pitchFamily="34" charset="0"/>
+              </a:rPr>
+              <a:t> </a:t>
+            </a:r>
+            <a:r>
+              <a:rPr lang="en-US" altLang="zh-CN" sz="2600" b="1" dirty="0">
+                <a:solidFill>
+                  <a:schemeClr val="bg2">
+                    <a:lumMod val="25000"/>
+                  </a:schemeClr>
+                </a:solidFill>
+                <a:latin typeface="Palatino Linotype" panose="02040502050505030304" pitchFamily="18" charset="0"/>
+                <a:cs typeface="Palace Script MT" panose="020F0502020204030204" pitchFamily="34" charset="0"/>
+              </a:rPr>
+              <a:t>muted</a:t>
+            </a:r>
+            <a:r>
+              <a:rPr lang="zh-CN" altLang="en-US" sz="2600" dirty="0">
+                <a:solidFill>
+                  <a:schemeClr val="bg2">
+                    <a:lumMod val="25000"/>
+                  </a:schemeClr>
+                </a:solidFill>
+                <a:latin typeface="Palatino Linotype" panose="02040502050505030304" pitchFamily="18" charset="0"/>
+                <a:cs typeface="Palace Script MT" panose="020F0502020204030204" pitchFamily="34" charset="0"/>
+              </a:rPr>
+              <a:t> </a:t>
+            </a:r>
+            <a:r>
+              <a:rPr lang="en-US" altLang="zh-CN" sz="2600" dirty="0">
+                <a:solidFill>
+                  <a:schemeClr val="bg2">
+                    <a:lumMod val="25000"/>
+                  </a:schemeClr>
+                </a:solidFill>
+                <a:latin typeface="Palatino Linotype" panose="02040502050505030304" pitchFamily="18" charset="0"/>
+                <a:cs typeface="Palace Script MT" panose="020F0502020204030204" pitchFamily="34" charset="0"/>
+              </a:rPr>
+              <a:t>piano</a:t>
+            </a:r>
+            <a:r>
+              <a:rPr lang="zh-CN" altLang="en-US" sz="2600" dirty="0">
+                <a:solidFill>
+                  <a:schemeClr val="bg2">
+                    <a:lumMod val="25000"/>
+                  </a:schemeClr>
+                </a:solidFill>
+                <a:latin typeface="Palatino Linotype" panose="02040502050505030304" pitchFamily="18" charset="0"/>
+                <a:cs typeface="Palace Script MT" panose="020F0502020204030204" pitchFamily="34" charset="0"/>
+              </a:rPr>
+              <a:t> </a:t>
+            </a:r>
+            <a:r>
+              <a:rPr lang="en-US" altLang="zh-CN" sz="2600" dirty="0">
+                <a:solidFill>
+                  <a:schemeClr val="bg2">
+                    <a:lumMod val="25000"/>
+                  </a:schemeClr>
+                </a:solidFill>
+                <a:latin typeface="Palatino Linotype" panose="02040502050505030304" pitchFamily="18" charset="0"/>
+                <a:cs typeface="Palace Script MT" panose="020F0502020204030204" pitchFamily="34" charset="0"/>
+              </a:rPr>
+              <a:t>playing</a:t>
+            </a:r>
+            <a:r>
+              <a:rPr lang="zh-CN" altLang="en-US" sz="2600" dirty="0">
+                <a:solidFill>
+                  <a:schemeClr val="bg2">
+                    <a:lumMod val="25000"/>
+                  </a:schemeClr>
+                </a:solidFill>
+                <a:latin typeface="Palatino Linotype" panose="02040502050505030304" pitchFamily="18" charset="0"/>
+                <a:cs typeface="Palace Script MT" panose="020F0502020204030204" pitchFamily="34" charset="0"/>
+              </a:rPr>
+              <a:t> </a:t>
+            </a:r>
+            <a:r>
+              <a:rPr lang="en-US" altLang="zh-CN" sz="2600" b="1" dirty="0">
+                <a:solidFill>
+                  <a:schemeClr val="bg2">
+                    <a:lumMod val="25000"/>
+                  </a:schemeClr>
+                </a:solidFill>
+                <a:latin typeface="Palatino Linotype" panose="02040502050505030304" pitchFamily="18" charset="0"/>
+                <a:cs typeface="Palace Script MT" panose="020F0502020204030204" pitchFamily="34" charset="0"/>
+              </a:rPr>
+              <a:t>video</a:t>
+            </a:r>
+            <a:r>
+              <a:rPr lang="zh-CN" altLang="en-US" sz="2600" dirty="0">
+                <a:solidFill>
+                  <a:schemeClr val="bg2">
+                    <a:lumMod val="25000"/>
+                  </a:schemeClr>
+                </a:solidFill>
+                <a:latin typeface="Palatino Linotype" panose="02040502050505030304" pitchFamily="18" charset="0"/>
+                <a:cs typeface="Palace Script MT" panose="020F0502020204030204" pitchFamily="34" charset="0"/>
+              </a:rPr>
+              <a:t> </a:t>
+            </a:r>
+            <a:r>
+              <a:rPr lang="en-US" altLang="zh-CN" sz="2600" dirty="0">
+                <a:solidFill>
+                  <a:schemeClr val="bg2">
+                    <a:lumMod val="25000"/>
+                  </a:schemeClr>
+                </a:solidFill>
+                <a:latin typeface="Palatino Linotype" panose="02040502050505030304" pitchFamily="18" charset="0"/>
+                <a:cs typeface="Palace Script MT" panose="020F0502020204030204" pitchFamily="34" charset="0"/>
+              </a:rPr>
+              <a:t>to</a:t>
+            </a:r>
+            <a:r>
+              <a:rPr lang="zh-CN" altLang="en-US" sz="2600" dirty="0">
+                <a:solidFill>
+                  <a:schemeClr val="bg2">
+                    <a:lumMod val="25000"/>
+                  </a:schemeClr>
+                </a:solidFill>
+                <a:latin typeface="Palatino Linotype" panose="02040502050505030304" pitchFamily="18" charset="0"/>
+                <a:cs typeface="Palace Script MT" panose="020F0502020204030204" pitchFamily="34" charset="0"/>
+              </a:rPr>
+              <a:t> </a:t>
+            </a:r>
+            <a:r>
+              <a:rPr lang="en-US" altLang="zh-CN" sz="2600" dirty="0">
+                <a:solidFill>
+                  <a:schemeClr val="bg2">
+                    <a:lumMod val="25000"/>
+                  </a:schemeClr>
+                </a:solidFill>
+                <a:latin typeface="Palatino Linotype" panose="02040502050505030304" pitchFamily="18" charset="0"/>
+                <a:cs typeface="Palace Script MT" panose="020F0502020204030204" pitchFamily="34" charset="0"/>
+              </a:rPr>
+              <a:t>generate</a:t>
+            </a:r>
+            <a:r>
+              <a:rPr lang="zh-CN" altLang="en-US" sz="2600" dirty="0">
+                <a:solidFill>
+                  <a:schemeClr val="bg2">
+                    <a:lumMod val="25000"/>
+                  </a:schemeClr>
+                </a:solidFill>
+                <a:latin typeface="Palatino Linotype" panose="02040502050505030304" pitchFamily="18" charset="0"/>
+                <a:cs typeface="Palace Script MT" panose="020F0502020204030204" pitchFamily="34" charset="0"/>
+              </a:rPr>
+              <a:t> </a:t>
+            </a:r>
+            <a:r>
+              <a:rPr lang="en-US" altLang="zh-CN" sz="2600" dirty="0">
+                <a:solidFill>
+                  <a:schemeClr val="bg2">
+                    <a:lumMod val="25000"/>
+                  </a:schemeClr>
+                </a:solidFill>
+                <a:latin typeface="Palatino Linotype" panose="02040502050505030304" pitchFamily="18" charset="0"/>
+                <a:cs typeface="Palace Script MT" panose="020F0502020204030204" pitchFamily="34" charset="0"/>
+              </a:rPr>
+              <a:t>a</a:t>
+            </a:r>
+            <a:r>
+              <a:rPr lang="zh-CN" altLang="en-US" sz="2600" dirty="0">
+                <a:solidFill>
+                  <a:schemeClr val="bg2">
+                    <a:lumMod val="25000"/>
+                  </a:schemeClr>
+                </a:solidFill>
+                <a:latin typeface="Palatino Linotype" panose="02040502050505030304" pitchFamily="18" charset="0"/>
+                <a:cs typeface="Palace Script MT" panose="020F0502020204030204" pitchFamily="34" charset="0"/>
+              </a:rPr>
+              <a:t> </a:t>
+            </a:r>
+            <a:r>
+              <a:rPr lang="en-US" altLang="zh-CN" sz="2600" dirty="0">
+                <a:solidFill>
+                  <a:schemeClr val="bg2">
+                    <a:lumMod val="25000"/>
+                  </a:schemeClr>
+                </a:solidFill>
+                <a:latin typeface="Palatino Linotype" panose="02040502050505030304" pitchFamily="18" charset="0"/>
+                <a:cs typeface="Palace Script MT" panose="020F0502020204030204" pitchFamily="34" charset="0"/>
+              </a:rPr>
+              <a:t>more</a:t>
+            </a:r>
+            <a:r>
+              <a:rPr lang="zh-CN" altLang="en-US" sz="2600" dirty="0">
+                <a:solidFill>
+                  <a:schemeClr val="bg2">
+                    <a:lumMod val="25000"/>
+                  </a:schemeClr>
+                </a:solidFill>
+                <a:latin typeface="Palatino Linotype" panose="02040502050505030304" pitchFamily="18" charset="0"/>
+                <a:cs typeface="Palace Script MT" panose="020F0502020204030204" pitchFamily="34" charset="0"/>
+              </a:rPr>
+              <a:t> </a:t>
+            </a:r>
+            <a:r>
+              <a:rPr lang="en-US" altLang="zh-CN" sz="2600" dirty="0">
+                <a:solidFill>
+                  <a:schemeClr val="bg2">
+                    <a:lumMod val="25000"/>
+                  </a:schemeClr>
+                </a:solidFill>
+                <a:latin typeface="Palatino Linotype" panose="02040502050505030304" pitchFamily="18" charset="0"/>
+                <a:cs typeface="Palace Script MT" panose="020F0502020204030204" pitchFamily="34" charset="0"/>
+              </a:rPr>
+              <a:t>accurate</a:t>
+            </a:r>
+            <a:r>
+              <a:rPr lang="zh-CN" altLang="en-US" sz="2600" dirty="0">
+                <a:solidFill>
+                  <a:schemeClr val="bg2">
+                    <a:lumMod val="25000"/>
+                  </a:schemeClr>
+                </a:solidFill>
+                <a:latin typeface="Palatino Linotype" panose="02040502050505030304" pitchFamily="18" charset="0"/>
+                <a:cs typeface="Palace Script MT" panose="020F0502020204030204" pitchFamily="34" charset="0"/>
+              </a:rPr>
+              <a:t> </a:t>
+            </a:r>
+            <a:r>
+              <a:rPr lang="en-US" altLang="zh-CN" sz="2600" dirty="0">
+                <a:solidFill>
+                  <a:schemeClr val="bg2">
+                    <a:lumMod val="25000"/>
+                  </a:schemeClr>
+                </a:solidFill>
+                <a:latin typeface="Palatino Linotype" panose="02040502050505030304" pitchFamily="18" charset="0"/>
+                <a:cs typeface="Palace Script MT" panose="020F0502020204030204" pitchFamily="34" charset="0"/>
+              </a:rPr>
+              <a:t>model</a:t>
+            </a:r>
+            <a:r>
+              <a:rPr lang="zh-CN" altLang="en-US" sz="2600" dirty="0">
+                <a:solidFill>
+                  <a:schemeClr val="bg2">
+                    <a:lumMod val="25000"/>
+                  </a:schemeClr>
+                </a:solidFill>
+                <a:latin typeface="Palatino Linotype" panose="02040502050505030304" pitchFamily="18" charset="0"/>
+                <a:cs typeface="Palace Script MT" panose="020F0502020204030204" pitchFamily="34" charset="0"/>
+              </a:rPr>
+              <a:t> </a:t>
+            </a:r>
+            <a:r>
+              <a:rPr lang="en-US" altLang="zh-CN" sz="2600" dirty="0">
+                <a:solidFill>
+                  <a:schemeClr val="bg2">
+                    <a:lumMod val="25000"/>
+                  </a:schemeClr>
+                </a:solidFill>
+                <a:latin typeface="Palatino Linotype" panose="02040502050505030304" pitchFamily="18" charset="0"/>
+                <a:cs typeface="Palace Script MT" panose="020F0502020204030204" pitchFamily="34" charset="0"/>
+              </a:rPr>
+              <a:t>to</a:t>
+            </a:r>
+            <a:r>
+              <a:rPr lang="zh-CN" altLang="en-US" sz="2600" dirty="0">
+                <a:solidFill>
+                  <a:schemeClr val="bg2">
+                    <a:lumMod val="25000"/>
+                  </a:schemeClr>
+                </a:solidFill>
+                <a:latin typeface="Palatino Linotype" panose="02040502050505030304" pitchFamily="18" charset="0"/>
+                <a:cs typeface="Palace Script MT" panose="020F0502020204030204" pitchFamily="34" charset="0"/>
+              </a:rPr>
+              <a:t> </a:t>
+            </a:r>
+            <a:r>
+              <a:rPr lang="en-US" altLang="zh-CN" sz="2600" dirty="0">
+                <a:solidFill>
+                  <a:schemeClr val="bg2">
+                    <a:lumMod val="25000"/>
+                  </a:schemeClr>
+                </a:solidFill>
+                <a:latin typeface="Palatino Linotype" panose="02040502050505030304" pitchFamily="18" charset="0"/>
+                <a:cs typeface="Palace Script MT" panose="020F0502020204030204" pitchFamily="34" charset="0"/>
+              </a:rPr>
+              <a:t>detect</a:t>
+            </a:r>
+            <a:r>
+              <a:rPr lang="zh-CN" altLang="en-US" sz="2600" dirty="0">
+                <a:solidFill>
+                  <a:schemeClr val="bg2">
+                    <a:lumMod val="25000"/>
+                  </a:schemeClr>
+                </a:solidFill>
+                <a:latin typeface="Palatino Linotype" panose="02040502050505030304" pitchFamily="18" charset="0"/>
+                <a:cs typeface="Palace Script MT" panose="020F0502020204030204" pitchFamily="34" charset="0"/>
+              </a:rPr>
+              <a:t> </a:t>
+            </a:r>
+            <a:r>
+              <a:rPr lang="en-US" altLang="zh-CN" sz="2600" dirty="0">
+                <a:solidFill>
+                  <a:schemeClr val="bg2">
+                    <a:lumMod val="25000"/>
+                  </a:schemeClr>
+                </a:solidFill>
+                <a:latin typeface="Palatino Linotype" panose="02040502050505030304" pitchFamily="18" charset="0"/>
+                <a:cs typeface="Palace Script MT" panose="020F0502020204030204" pitchFamily="34" charset="0"/>
+              </a:rPr>
+              <a:t>what</a:t>
+            </a:r>
+            <a:r>
+              <a:rPr lang="zh-CN" altLang="en-US" sz="2600" dirty="0">
+                <a:solidFill>
+                  <a:schemeClr val="bg2">
+                    <a:lumMod val="25000"/>
+                  </a:schemeClr>
+                </a:solidFill>
+                <a:latin typeface="Palatino Linotype" panose="02040502050505030304" pitchFamily="18" charset="0"/>
+                <a:cs typeface="Palace Script MT" panose="020F0502020204030204" pitchFamily="34" charset="0"/>
+              </a:rPr>
+              <a:t> </a:t>
+            </a:r>
+            <a:r>
+              <a:rPr lang="en-US" altLang="zh-CN" sz="2600" dirty="0">
+                <a:solidFill>
+                  <a:schemeClr val="bg2">
+                    <a:lumMod val="25000"/>
+                  </a:schemeClr>
+                </a:solidFill>
+                <a:latin typeface="Palatino Linotype" panose="02040502050505030304" pitchFamily="18" charset="0"/>
+                <a:cs typeface="Palace Script MT" panose="020F0502020204030204" pitchFamily="34" charset="0"/>
+              </a:rPr>
+              <a:t>keys</a:t>
+            </a:r>
+            <a:r>
+              <a:rPr lang="zh-CN" altLang="en-US" sz="2600" dirty="0">
+                <a:solidFill>
+                  <a:schemeClr val="bg2">
+                    <a:lumMod val="25000"/>
+                  </a:schemeClr>
+                </a:solidFill>
+                <a:latin typeface="Palatino Linotype" panose="02040502050505030304" pitchFamily="18" charset="0"/>
+                <a:cs typeface="Palace Script MT" panose="020F0502020204030204" pitchFamily="34" charset="0"/>
+              </a:rPr>
+              <a:t> </a:t>
+            </a:r>
+            <a:r>
+              <a:rPr lang="en-US" altLang="zh-CN" sz="2600" dirty="0">
+                <a:solidFill>
+                  <a:schemeClr val="bg2">
+                    <a:lumMod val="25000"/>
+                  </a:schemeClr>
+                </a:solidFill>
+                <a:latin typeface="Palatino Linotype" panose="02040502050505030304" pitchFamily="18" charset="0"/>
+                <a:cs typeface="Palace Script MT" panose="020F0502020204030204" pitchFamily="34" charset="0"/>
+              </a:rPr>
+              <a:t>are</a:t>
+            </a:r>
+            <a:r>
+              <a:rPr lang="zh-CN" altLang="en-US" sz="2600" dirty="0">
+                <a:solidFill>
+                  <a:schemeClr val="bg2">
+                    <a:lumMod val="25000"/>
+                  </a:schemeClr>
+                </a:solidFill>
+                <a:latin typeface="Palatino Linotype" panose="02040502050505030304" pitchFamily="18" charset="0"/>
+                <a:cs typeface="Palace Script MT" panose="020F0502020204030204" pitchFamily="34" charset="0"/>
+              </a:rPr>
+              <a:t> </a:t>
+            </a:r>
+            <a:r>
+              <a:rPr lang="en-US" altLang="zh-CN" sz="2600" dirty="0">
+                <a:solidFill>
+                  <a:schemeClr val="bg2">
+                    <a:lumMod val="25000"/>
+                  </a:schemeClr>
+                </a:solidFill>
+                <a:latin typeface="Palatino Linotype" panose="02040502050505030304" pitchFamily="18" charset="0"/>
+                <a:cs typeface="Palace Script MT" panose="020F0502020204030204" pitchFamily="34" charset="0"/>
+              </a:rPr>
+              <a:t>being</a:t>
+            </a:r>
+            <a:r>
+              <a:rPr lang="zh-CN" altLang="en-US" sz="2600" dirty="0">
+                <a:solidFill>
+                  <a:schemeClr val="bg2">
+                    <a:lumMod val="25000"/>
+                  </a:schemeClr>
+                </a:solidFill>
+                <a:latin typeface="Palatino Linotype" panose="02040502050505030304" pitchFamily="18" charset="0"/>
+                <a:cs typeface="Palace Script MT" panose="020F0502020204030204" pitchFamily="34" charset="0"/>
+              </a:rPr>
+              <a:t> </a:t>
+            </a:r>
+            <a:r>
+              <a:rPr lang="en-US" altLang="zh-CN" sz="2600" dirty="0">
+                <a:solidFill>
+                  <a:schemeClr val="bg2">
+                    <a:lumMod val="25000"/>
+                  </a:schemeClr>
+                </a:solidFill>
+                <a:latin typeface="Palatino Linotype" panose="02040502050505030304" pitchFamily="18" charset="0"/>
+                <a:cs typeface="Palace Script MT" panose="020F0502020204030204" pitchFamily="34" charset="0"/>
+              </a:rPr>
+              <a:t>pressed</a:t>
+            </a:r>
+            <a:r>
+              <a:rPr lang="zh-CN" altLang="en-US" sz="2600" dirty="0">
+                <a:solidFill>
+                  <a:schemeClr val="bg2">
+                    <a:lumMod val="25000"/>
+                  </a:schemeClr>
+                </a:solidFill>
+                <a:latin typeface="Palatino Linotype" panose="02040502050505030304" pitchFamily="18" charset="0"/>
+                <a:cs typeface="Palace Script MT" panose="020F0502020204030204" pitchFamily="34" charset="0"/>
+              </a:rPr>
+              <a:t> </a:t>
+            </a:r>
+            <a:r>
+              <a:rPr lang="en-US" altLang="zh-CN" sz="2600" dirty="0">
+                <a:solidFill>
+                  <a:schemeClr val="bg2">
+                    <a:lumMod val="25000"/>
+                  </a:schemeClr>
+                </a:solidFill>
+                <a:latin typeface="Palatino Linotype" panose="02040502050505030304" pitchFamily="18" charset="0"/>
+                <a:cs typeface="Palace Script MT" panose="020F0502020204030204" pitchFamily="34" charset="0"/>
+              </a:rPr>
+              <a:t>in</a:t>
+            </a:r>
+            <a:r>
+              <a:rPr lang="zh-CN" altLang="en-US" sz="2600" dirty="0">
+                <a:solidFill>
+                  <a:schemeClr val="bg2">
+                    <a:lumMod val="25000"/>
+                  </a:schemeClr>
+                </a:solidFill>
+                <a:latin typeface="Palatino Linotype" panose="02040502050505030304" pitchFamily="18" charset="0"/>
+                <a:cs typeface="Palace Script MT" panose="020F0502020204030204" pitchFamily="34" charset="0"/>
+              </a:rPr>
+              <a:t> </a:t>
+            </a:r>
+            <a:r>
+              <a:rPr lang="en-US" altLang="zh-CN" sz="2600" dirty="0">
+                <a:solidFill>
+                  <a:schemeClr val="bg2">
+                    <a:lumMod val="25000"/>
+                  </a:schemeClr>
+                </a:solidFill>
+                <a:latin typeface="Palatino Linotype" panose="02040502050505030304" pitchFamily="18" charset="0"/>
+                <a:cs typeface="Palace Script MT" panose="020F0502020204030204" pitchFamily="34" charset="0"/>
+              </a:rPr>
+              <a:t>each</a:t>
+            </a:r>
+            <a:r>
+              <a:rPr lang="zh-CN" altLang="en-US" sz="2600" dirty="0">
+                <a:solidFill>
+                  <a:schemeClr val="bg2">
+                    <a:lumMod val="25000"/>
+                  </a:schemeClr>
+                </a:solidFill>
+                <a:latin typeface="Palatino Linotype" panose="02040502050505030304" pitchFamily="18" charset="0"/>
+                <a:cs typeface="Palace Script MT" panose="020F0502020204030204" pitchFamily="34" charset="0"/>
+              </a:rPr>
+              <a:t> </a:t>
+            </a:r>
+            <a:r>
+              <a:rPr lang="en-US" altLang="zh-CN" sz="2600" dirty="0">
+                <a:solidFill>
+                  <a:schemeClr val="bg2">
+                    <a:lumMod val="25000"/>
+                  </a:schemeClr>
+                </a:solidFill>
+                <a:latin typeface="Palatino Linotype" panose="02040502050505030304" pitchFamily="18" charset="0"/>
+                <a:cs typeface="Palace Script MT" panose="020F0502020204030204" pitchFamily="34" charset="0"/>
+              </a:rPr>
+              <a:t>frame.</a:t>
+            </a:r>
+            <a:r>
+              <a:rPr lang="zh-CN" altLang="en-US" sz="2600" dirty="0">
+                <a:solidFill>
+                  <a:schemeClr val="bg2">
+                    <a:lumMod val="25000"/>
+                  </a:schemeClr>
+                </a:solidFill>
+                <a:latin typeface="Palatino Linotype" panose="02040502050505030304" pitchFamily="18" charset="0"/>
+                <a:cs typeface="Palace Script MT" panose="020F0502020204030204" pitchFamily="34" charset="0"/>
+              </a:rPr>
+              <a:t> </a:t>
+            </a:r>
+            <a:r>
+              <a:rPr lang="en-US" altLang="zh-CN" sz="2600" dirty="0">
+                <a:solidFill>
+                  <a:schemeClr val="bg2">
+                    <a:lumMod val="25000"/>
+                  </a:schemeClr>
+                </a:solidFill>
+                <a:latin typeface="Palatino Linotype" panose="02040502050505030304" pitchFamily="18" charset="0"/>
+                <a:cs typeface="Palace Script MT" panose="020F0502020204030204" pitchFamily="34" charset="0"/>
+              </a:rPr>
+              <a:t>Then</a:t>
+            </a:r>
+            <a:r>
+              <a:rPr lang="zh-CN" altLang="en-US" sz="2600" dirty="0">
+                <a:solidFill>
+                  <a:schemeClr val="bg2">
+                    <a:lumMod val="25000"/>
+                  </a:schemeClr>
+                </a:solidFill>
+                <a:latin typeface="Palatino Linotype" panose="02040502050505030304" pitchFamily="18" charset="0"/>
+                <a:cs typeface="Palace Script MT" panose="020F0502020204030204" pitchFamily="34" charset="0"/>
+              </a:rPr>
+              <a:t> </a:t>
+            </a:r>
+            <a:r>
+              <a:rPr lang="en-US" altLang="zh-CN" sz="2600" dirty="0">
+                <a:solidFill>
+                  <a:schemeClr val="bg2">
+                    <a:lumMod val="25000"/>
+                  </a:schemeClr>
+                </a:solidFill>
+                <a:latin typeface="Palatino Linotype" panose="02040502050505030304" pitchFamily="18" charset="0"/>
+                <a:cs typeface="Palace Script MT" panose="020F0502020204030204" pitchFamily="34" charset="0"/>
+              </a:rPr>
+              <a:t>regenerate</a:t>
+            </a:r>
+            <a:r>
+              <a:rPr lang="zh-CN" altLang="en-US" sz="2600" dirty="0">
+                <a:solidFill>
+                  <a:schemeClr val="bg2">
+                    <a:lumMod val="25000"/>
+                  </a:schemeClr>
+                </a:solidFill>
+                <a:latin typeface="Palatino Linotype" panose="02040502050505030304" pitchFamily="18" charset="0"/>
+                <a:cs typeface="Palace Script MT" panose="020F0502020204030204" pitchFamily="34" charset="0"/>
+              </a:rPr>
+              <a:t> </a:t>
+            </a:r>
+            <a:r>
+              <a:rPr lang="en-US" altLang="zh-CN" sz="2600" dirty="0">
+                <a:solidFill>
+                  <a:schemeClr val="bg2">
+                    <a:lumMod val="25000"/>
+                  </a:schemeClr>
+                </a:solidFill>
+                <a:latin typeface="Palatino Linotype" panose="02040502050505030304" pitchFamily="18" charset="0"/>
+                <a:cs typeface="Palace Script MT" panose="020F0502020204030204" pitchFamily="34" charset="0"/>
+              </a:rPr>
+              <a:t>the</a:t>
+            </a:r>
+            <a:r>
+              <a:rPr lang="zh-CN" altLang="en-US" sz="2600" dirty="0">
+                <a:solidFill>
+                  <a:schemeClr val="bg2">
+                    <a:lumMod val="25000"/>
+                  </a:schemeClr>
+                </a:solidFill>
+                <a:latin typeface="Palatino Linotype" panose="02040502050505030304" pitchFamily="18" charset="0"/>
+                <a:cs typeface="Palace Script MT" panose="020F0502020204030204" pitchFamily="34" charset="0"/>
+              </a:rPr>
+              <a:t> </a:t>
+            </a:r>
+            <a:r>
+              <a:rPr lang="en-US" altLang="zh-CN" sz="2600" dirty="0">
+                <a:solidFill>
+                  <a:schemeClr val="bg2">
+                    <a:lumMod val="25000"/>
+                  </a:schemeClr>
+                </a:solidFill>
+                <a:latin typeface="Palatino Linotype" panose="02040502050505030304" pitchFamily="18" charset="0"/>
+                <a:cs typeface="Palace Script MT" panose="020F0502020204030204" pitchFamily="34" charset="0"/>
+              </a:rPr>
+              <a:t>piano</a:t>
+            </a:r>
+            <a:r>
+              <a:rPr lang="zh-CN" altLang="en-US" sz="2600" dirty="0">
+                <a:solidFill>
+                  <a:schemeClr val="bg2">
+                    <a:lumMod val="25000"/>
+                  </a:schemeClr>
+                </a:solidFill>
+                <a:latin typeface="Palatino Linotype" panose="02040502050505030304" pitchFamily="18" charset="0"/>
+                <a:cs typeface="Palace Script MT" panose="020F0502020204030204" pitchFamily="34" charset="0"/>
+              </a:rPr>
+              <a:t> </a:t>
+            </a:r>
+            <a:r>
+              <a:rPr lang="en-US" altLang="zh-CN" sz="2600" dirty="0">
+                <a:solidFill>
+                  <a:schemeClr val="bg2">
+                    <a:lumMod val="25000"/>
+                  </a:schemeClr>
+                </a:solidFill>
+                <a:latin typeface="Palatino Linotype" panose="02040502050505030304" pitchFamily="18" charset="0"/>
+                <a:cs typeface="Palace Script MT" panose="020F0502020204030204" pitchFamily="34" charset="0"/>
+              </a:rPr>
+              <a:t>sound</a:t>
+            </a:r>
+            <a:r>
+              <a:rPr lang="zh-CN" altLang="en-US" sz="2600" dirty="0">
+                <a:solidFill>
+                  <a:schemeClr val="bg2">
+                    <a:lumMod val="25000"/>
+                  </a:schemeClr>
+                </a:solidFill>
+                <a:latin typeface="Palatino Linotype" panose="02040502050505030304" pitchFamily="18" charset="0"/>
+                <a:cs typeface="Palace Script MT" panose="020F0502020204030204" pitchFamily="34" charset="0"/>
+              </a:rPr>
+              <a:t> </a:t>
+            </a:r>
+            <a:r>
+              <a:rPr lang="en-US" altLang="zh-CN" sz="2600" dirty="0">
+                <a:solidFill>
+                  <a:schemeClr val="bg2">
+                    <a:lumMod val="25000"/>
+                  </a:schemeClr>
+                </a:solidFill>
+                <a:latin typeface="Palatino Linotype" panose="02040502050505030304" pitchFamily="18" charset="0"/>
+                <a:cs typeface="Palace Script MT" panose="020F0502020204030204" pitchFamily="34" charset="0"/>
+              </a:rPr>
+              <a:t>for</a:t>
+            </a:r>
+            <a:r>
+              <a:rPr lang="zh-CN" altLang="en-US" sz="2600" dirty="0">
+                <a:solidFill>
+                  <a:schemeClr val="bg2">
+                    <a:lumMod val="25000"/>
+                  </a:schemeClr>
+                </a:solidFill>
+                <a:latin typeface="Palatino Linotype" panose="02040502050505030304" pitchFamily="18" charset="0"/>
+                <a:cs typeface="Palace Script MT" panose="020F0502020204030204" pitchFamily="34" charset="0"/>
+              </a:rPr>
+              <a:t> </a:t>
+            </a:r>
+            <a:r>
+              <a:rPr lang="en-US" altLang="zh-CN" sz="2600" dirty="0">
+                <a:solidFill>
+                  <a:schemeClr val="bg2">
+                    <a:lumMod val="25000"/>
+                  </a:schemeClr>
+                </a:solidFill>
+                <a:latin typeface="Palatino Linotype" panose="02040502050505030304" pitchFamily="18" charset="0"/>
+                <a:cs typeface="Palace Script MT" panose="020F0502020204030204" pitchFamily="34" charset="0"/>
+              </a:rPr>
+              <a:t>the</a:t>
+            </a:r>
+            <a:r>
+              <a:rPr lang="zh-CN" altLang="en-US" sz="2600" dirty="0">
+                <a:solidFill>
+                  <a:schemeClr val="bg2">
+                    <a:lumMod val="25000"/>
+                  </a:schemeClr>
+                </a:solidFill>
+                <a:latin typeface="Palatino Linotype" panose="02040502050505030304" pitchFamily="18" charset="0"/>
+                <a:cs typeface="Palace Script MT" panose="020F0502020204030204" pitchFamily="34" charset="0"/>
+              </a:rPr>
+              <a:t> </a:t>
+            </a:r>
+            <a:r>
+              <a:rPr lang="en-US" altLang="zh-CN" sz="2600" dirty="0">
+                <a:solidFill>
+                  <a:schemeClr val="bg2">
+                    <a:lumMod val="25000"/>
+                  </a:schemeClr>
+                </a:solidFill>
+                <a:latin typeface="Palatino Linotype" panose="02040502050505030304" pitchFamily="18" charset="0"/>
+                <a:cs typeface="Palace Script MT" panose="020F0502020204030204" pitchFamily="34" charset="0"/>
+              </a:rPr>
+              <a:t>video.</a:t>
+            </a:r>
+          </a:p>
+          <a:p>
+            <a:pPr algn="l">
+              <a:lnSpc>
+                <a:spcPct val="150000"/>
+              </a:lnSpc>
+              <a:buClr>
+                <a:schemeClr val="accent5">
+                  <a:lumMod val="60000"/>
+                  <a:lumOff val="40000"/>
+                </a:schemeClr>
+              </a:buClr>
+            </a:pPr>
+            <a:r>
+              <a:rPr lang="en-US" altLang="zh-CN" sz="2600" b="1" dirty="0">
+                <a:solidFill>
+                  <a:schemeClr val="bg2">
+                    <a:lumMod val="25000"/>
+                  </a:schemeClr>
+                </a:solidFill>
+                <a:latin typeface="Palatino Linotype" panose="02040502050505030304" pitchFamily="18" charset="0"/>
+                <a:cs typeface="Palace Script MT" panose="020F0502020204030204" pitchFamily="34" charset="0"/>
+              </a:rPr>
+              <a:t>Why</a:t>
+            </a:r>
+            <a:r>
+              <a:rPr lang="zh-CN" altLang="en-US" sz="2600" b="1" dirty="0">
+                <a:solidFill>
+                  <a:schemeClr val="bg2">
+                    <a:lumMod val="25000"/>
+                  </a:schemeClr>
+                </a:solidFill>
+                <a:latin typeface="Palatino Linotype" panose="02040502050505030304" pitchFamily="18" charset="0"/>
+                <a:cs typeface="Palace Script MT" panose="020F0502020204030204" pitchFamily="34" charset="0"/>
+              </a:rPr>
+              <a:t> </a:t>
+            </a:r>
+            <a:r>
+              <a:rPr lang="en-US" altLang="zh-CN" sz="2600" b="1" dirty="0">
+                <a:solidFill>
+                  <a:schemeClr val="bg2">
+                    <a:lumMod val="25000"/>
+                  </a:schemeClr>
+                </a:solidFill>
+                <a:latin typeface="Palatino Linotype" panose="02040502050505030304" pitchFamily="18" charset="0"/>
+                <a:cs typeface="Palace Script MT" panose="020F0502020204030204" pitchFamily="34" charset="0"/>
+              </a:rPr>
+              <a:t>not</a:t>
+            </a:r>
+            <a:r>
+              <a:rPr lang="zh-CN" altLang="en-US" sz="2600" b="1" dirty="0">
+                <a:solidFill>
+                  <a:schemeClr val="bg2">
+                    <a:lumMod val="25000"/>
+                  </a:schemeClr>
+                </a:solidFill>
+                <a:latin typeface="Palatino Linotype" panose="02040502050505030304" pitchFamily="18" charset="0"/>
+                <a:cs typeface="Palace Script MT" panose="020F0502020204030204" pitchFamily="34" charset="0"/>
+              </a:rPr>
+              <a:t> </a:t>
+            </a:r>
+            <a:r>
+              <a:rPr lang="en-US" altLang="zh-CN" sz="2600" b="1" dirty="0">
+                <a:solidFill>
+                  <a:schemeClr val="bg2">
+                    <a:lumMod val="25000"/>
+                  </a:schemeClr>
+                </a:solidFill>
+                <a:latin typeface="Palatino Linotype" panose="02040502050505030304" pitchFamily="18" charset="0"/>
+                <a:cs typeface="Palace Script MT" panose="020F0502020204030204" pitchFamily="34" charset="0"/>
+              </a:rPr>
+              <a:t>only</a:t>
+            </a:r>
+            <a:r>
+              <a:rPr lang="zh-CN" altLang="en-US" sz="2600" b="1" dirty="0">
+                <a:solidFill>
+                  <a:schemeClr val="bg2">
+                    <a:lumMod val="25000"/>
+                  </a:schemeClr>
+                </a:solidFill>
+                <a:latin typeface="Palatino Linotype" panose="02040502050505030304" pitchFamily="18" charset="0"/>
+                <a:cs typeface="Palace Script MT" panose="020F0502020204030204" pitchFamily="34" charset="0"/>
+              </a:rPr>
+              <a:t> </a:t>
+            </a:r>
+            <a:r>
+              <a:rPr lang="en-US" altLang="zh-CN" sz="2600" b="1" dirty="0">
+                <a:solidFill>
+                  <a:schemeClr val="bg2">
+                    <a:lumMod val="25000"/>
+                  </a:schemeClr>
+                </a:solidFill>
+                <a:latin typeface="Palatino Linotype" panose="02040502050505030304" pitchFamily="18" charset="0"/>
+                <a:cs typeface="Palace Script MT" panose="020F0502020204030204" pitchFamily="34" charset="0"/>
+              </a:rPr>
+              <a:t>generate</a:t>
+            </a:r>
+            <a:r>
+              <a:rPr lang="zh-CN" altLang="en-US" sz="2600" b="1" dirty="0">
+                <a:solidFill>
+                  <a:schemeClr val="bg2">
+                    <a:lumMod val="25000"/>
+                  </a:schemeClr>
+                </a:solidFill>
+                <a:latin typeface="Palatino Linotype" panose="02040502050505030304" pitchFamily="18" charset="0"/>
+                <a:cs typeface="Palace Script MT" panose="020F0502020204030204" pitchFamily="34" charset="0"/>
+              </a:rPr>
+              <a:t> </a:t>
+            </a:r>
+            <a:r>
+              <a:rPr lang="en-US" altLang="zh-CN" sz="2600" b="1" dirty="0">
+                <a:solidFill>
+                  <a:schemeClr val="bg2">
+                    <a:lumMod val="25000"/>
+                  </a:schemeClr>
+                </a:solidFill>
+                <a:latin typeface="Palatino Linotype" panose="02040502050505030304" pitchFamily="18" charset="0"/>
+                <a:cs typeface="Palace Script MT" panose="020F0502020204030204" pitchFamily="34" charset="0"/>
+              </a:rPr>
+              <a:t>a</a:t>
+            </a:r>
+            <a:r>
+              <a:rPr lang="zh-CN" altLang="en-US" sz="2600" b="1" dirty="0">
+                <a:solidFill>
+                  <a:schemeClr val="bg2">
+                    <a:lumMod val="25000"/>
+                  </a:schemeClr>
+                </a:solidFill>
+                <a:latin typeface="Palatino Linotype" panose="02040502050505030304" pitchFamily="18" charset="0"/>
+                <a:cs typeface="Palace Script MT" panose="020F0502020204030204" pitchFamily="34" charset="0"/>
+              </a:rPr>
+              <a:t> </a:t>
+            </a:r>
+            <a:r>
+              <a:rPr lang="en-US" altLang="zh-CN" sz="2600" b="1" dirty="0">
+                <a:solidFill>
+                  <a:schemeClr val="bg2">
+                    <a:lumMod val="25000"/>
+                  </a:schemeClr>
+                </a:solidFill>
+                <a:latin typeface="Palatino Linotype" panose="02040502050505030304" pitchFamily="18" charset="0"/>
+                <a:cs typeface="Palace Script MT" panose="020F0502020204030204" pitchFamily="34" charset="0"/>
+              </a:rPr>
+              <a:t>piano</a:t>
+            </a:r>
+            <a:r>
+              <a:rPr lang="zh-CN" altLang="en-US" sz="2600" b="1" dirty="0">
+                <a:solidFill>
+                  <a:schemeClr val="bg2">
+                    <a:lumMod val="25000"/>
+                  </a:schemeClr>
+                </a:solidFill>
+                <a:latin typeface="Palatino Linotype" panose="02040502050505030304" pitchFamily="18" charset="0"/>
+                <a:cs typeface="Palace Script MT" panose="020F0502020204030204" pitchFamily="34" charset="0"/>
+              </a:rPr>
+              <a:t> </a:t>
+            </a:r>
+            <a:r>
+              <a:rPr lang="en-US" altLang="zh-CN" sz="2600" b="1" dirty="0">
+                <a:solidFill>
+                  <a:schemeClr val="bg2">
+                    <a:lumMod val="25000"/>
+                  </a:schemeClr>
+                </a:solidFill>
+                <a:latin typeface="Palatino Linotype" panose="02040502050505030304" pitchFamily="18" charset="0"/>
+                <a:cs typeface="Palace Script MT" panose="020F0502020204030204" pitchFamily="34" charset="0"/>
+              </a:rPr>
+              <a:t>sheet?</a:t>
+            </a:r>
+          </a:p>
+          <a:p>
+            <a:pPr marL="457200" indent="-457200" algn="l">
+              <a:lnSpc>
+                <a:spcPct val="150000"/>
+              </a:lnSpc>
+              <a:buClr>
+                <a:schemeClr val="accent5">
+                  <a:lumMod val="60000"/>
+                  <a:lumOff val="40000"/>
+                </a:schemeClr>
+              </a:buClr>
+              <a:buFontTx/>
+              <a:buChar char="-"/>
+            </a:pPr>
+            <a:r>
+              <a:rPr lang="en-US" altLang="zh-CN" sz="2600" dirty="0">
+                <a:solidFill>
+                  <a:schemeClr val="bg2">
+                    <a:lumMod val="25000"/>
+                  </a:schemeClr>
+                </a:solidFill>
+                <a:latin typeface="Palatino Linotype" panose="02040502050505030304" pitchFamily="18" charset="0"/>
+                <a:cs typeface="Palace Script MT" panose="020F0502020204030204" pitchFamily="34" charset="0"/>
+              </a:rPr>
+              <a:t>Regenerate</a:t>
+            </a:r>
+            <a:r>
+              <a:rPr lang="zh-CN" altLang="en-US" sz="2600" dirty="0">
+                <a:solidFill>
+                  <a:schemeClr val="bg2">
+                    <a:lumMod val="25000"/>
+                  </a:schemeClr>
+                </a:solidFill>
+                <a:latin typeface="Palatino Linotype" panose="02040502050505030304" pitchFamily="18" charset="0"/>
+                <a:cs typeface="Palace Script MT" panose="020F0502020204030204" pitchFamily="34" charset="0"/>
+              </a:rPr>
+              <a:t> </a:t>
+            </a:r>
+            <a:r>
+              <a:rPr lang="en-US" altLang="zh-CN" sz="2600" dirty="0">
+                <a:solidFill>
+                  <a:schemeClr val="bg2">
+                    <a:lumMod val="25000"/>
+                  </a:schemeClr>
+                </a:solidFill>
+                <a:latin typeface="Palatino Linotype" panose="02040502050505030304" pitchFamily="18" charset="0"/>
+                <a:cs typeface="Palace Script MT" panose="020F0502020204030204" pitchFamily="34" charset="0"/>
+              </a:rPr>
+              <a:t>audio</a:t>
+            </a:r>
+            <a:r>
+              <a:rPr lang="zh-CN" altLang="en-US" sz="2600" dirty="0">
+                <a:solidFill>
+                  <a:schemeClr val="bg2">
+                    <a:lumMod val="25000"/>
+                  </a:schemeClr>
+                </a:solidFill>
+                <a:latin typeface="Palatino Linotype" panose="02040502050505030304" pitchFamily="18" charset="0"/>
+                <a:cs typeface="Palace Script MT" panose="020F0502020204030204" pitchFamily="34" charset="0"/>
+              </a:rPr>
+              <a:t> </a:t>
+            </a:r>
+            <a:r>
+              <a:rPr lang="en-US" altLang="zh-CN" sz="2600" dirty="0">
+                <a:solidFill>
+                  <a:schemeClr val="bg2">
+                    <a:lumMod val="25000"/>
+                  </a:schemeClr>
+                </a:solidFill>
+                <a:latin typeface="Palatino Linotype" panose="02040502050505030304" pitchFamily="18" charset="0"/>
+                <a:cs typeface="Palace Script MT" panose="020F0502020204030204" pitchFamily="34" charset="0"/>
+              </a:rPr>
+              <a:t>is</a:t>
+            </a:r>
+            <a:r>
+              <a:rPr lang="zh-CN" altLang="en-US" sz="2600" dirty="0">
+                <a:solidFill>
+                  <a:schemeClr val="bg2">
+                    <a:lumMod val="25000"/>
+                  </a:schemeClr>
+                </a:solidFill>
+                <a:latin typeface="Palatino Linotype" panose="02040502050505030304" pitchFamily="18" charset="0"/>
+                <a:cs typeface="Palace Script MT" panose="020F0502020204030204" pitchFamily="34" charset="0"/>
+              </a:rPr>
+              <a:t> </a:t>
+            </a:r>
+            <a:r>
+              <a:rPr lang="en-US" altLang="zh-CN" sz="2600" dirty="0">
+                <a:solidFill>
+                  <a:schemeClr val="bg2">
+                    <a:lumMod val="25000"/>
+                  </a:schemeClr>
+                </a:solidFill>
+                <a:latin typeface="Palatino Linotype" panose="02040502050505030304" pitchFamily="18" charset="0"/>
+                <a:cs typeface="Palace Script MT" panose="020F0502020204030204" pitchFamily="34" charset="0"/>
+              </a:rPr>
+              <a:t>more</a:t>
+            </a:r>
+            <a:r>
+              <a:rPr lang="zh-CN" altLang="en-US" sz="2600" dirty="0">
+                <a:solidFill>
+                  <a:schemeClr val="bg2">
+                    <a:lumMod val="25000"/>
+                  </a:schemeClr>
+                </a:solidFill>
+                <a:latin typeface="Palatino Linotype" panose="02040502050505030304" pitchFamily="18" charset="0"/>
+                <a:cs typeface="Palace Script MT" panose="020F0502020204030204" pitchFamily="34" charset="0"/>
+              </a:rPr>
+              <a:t> </a:t>
+            </a:r>
+            <a:r>
+              <a:rPr lang="en-US" altLang="zh-CN" sz="2600" dirty="0">
+                <a:solidFill>
+                  <a:schemeClr val="bg2">
+                    <a:lumMod val="25000"/>
+                  </a:schemeClr>
+                </a:solidFill>
+                <a:latin typeface="Palatino Linotype" panose="02040502050505030304" pitchFamily="18" charset="0"/>
+                <a:cs typeface="Palace Script MT" panose="020F0502020204030204" pitchFamily="34" charset="0"/>
+              </a:rPr>
+              <a:t>intuitive</a:t>
+            </a:r>
+            <a:r>
+              <a:rPr lang="zh-CN" altLang="en-US" sz="2600" dirty="0">
+                <a:solidFill>
+                  <a:schemeClr val="bg2">
+                    <a:lumMod val="25000"/>
+                  </a:schemeClr>
+                </a:solidFill>
+                <a:latin typeface="Palatino Linotype" panose="02040502050505030304" pitchFamily="18" charset="0"/>
+                <a:cs typeface="Palace Script MT" panose="020F0502020204030204" pitchFamily="34" charset="0"/>
+              </a:rPr>
+              <a:t> </a:t>
+            </a:r>
+            <a:r>
+              <a:rPr lang="en-US" altLang="zh-CN" sz="2600" dirty="0">
+                <a:solidFill>
+                  <a:schemeClr val="bg2">
+                    <a:lumMod val="25000"/>
+                  </a:schemeClr>
+                </a:solidFill>
+                <a:latin typeface="Palatino Linotype" panose="02040502050505030304" pitchFamily="18" charset="0"/>
+                <a:cs typeface="Palace Script MT" panose="020F0502020204030204" pitchFamily="34" charset="0"/>
+              </a:rPr>
+              <a:t>than</a:t>
+            </a:r>
+            <a:r>
+              <a:rPr lang="zh-CN" altLang="en-US" sz="2600" dirty="0">
+                <a:solidFill>
+                  <a:schemeClr val="bg2">
+                    <a:lumMod val="25000"/>
+                  </a:schemeClr>
+                </a:solidFill>
+                <a:latin typeface="Palatino Linotype" panose="02040502050505030304" pitchFamily="18" charset="0"/>
+                <a:cs typeface="Palace Script MT" panose="020F0502020204030204" pitchFamily="34" charset="0"/>
+              </a:rPr>
+              <a:t> </a:t>
+            </a:r>
+            <a:r>
+              <a:rPr lang="en-US" altLang="zh-CN" sz="2600" dirty="0">
+                <a:solidFill>
+                  <a:schemeClr val="bg2">
+                    <a:lumMod val="25000"/>
+                  </a:schemeClr>
+                </a:solidFill>
+                <a:latin typeface="Palatino Linotype" panose="02040502050505030304" pitchFamily="18" charset="0"/>
+                <a:cs typeface="Palace Script MT" panose="020F0502020204030204" pitchFamily="34" charset="0"/>
+              </a:rPr>
+              <a:t>just</a:t>
+            </a:r>
+            <a:r>
+              <a:rPr lang="zh-CN" altLang="en-US" sz="2600" dirty="0">
+                <a:solidFill>
+                  <a:schemeClr val="bg2">
+                    <a:lumMod val="25000"/>
+                  </a:schemeClr>
+                </a:solidFill>
+                <a:latin typeface="Palatino Linotype" panose="02040502050505030304" pitchFamily="18" charset="0"/>
+                <a:cs typeface="Palace Script MT" panose="020F0502020204030204" pitchFamily="34" charset="0"/>
+              </a:rPr>
+              <a:t> </a:t>
+            </a:r>
+            <a:r>
+              <a:rPr lang="en-US" altLang="zh-CN" sz="2600" dirty="0">
+                <a:solidFill>
+                  <a:schemeClr val="bg2">
+                    <a:lumMod val="25000"/>
+                  </a:schemeClr>
+                </a:solidFill>
+                <a:latin typeface="Palatino Linotype" panose="02040502050505030304" pitchFamily="18" charset="0"/>
+                <a:cs typeface="Palace Script MT" panose="020F0502020204030204" pitchFamily="34" charset="0"/>
+              </a:rPr>
+              <a:t>a</a:t>
+            </a:r>
+            <a:r>
+              <a:rPr lang="zh-CN" altLang="en-US" sz="2600" dirty="0">
+                <a:solidFill>
+                  <a:schemeClr val="bg2">
+                    <a:lumMod val="25000"/>
+                  </a:schemeClr>
+                </a:solidFill>
+                <a:latin typeface="Palatino Linotype" panose="02040502050505030304" pitchFamily="18" charset="0"/>
+                <a:cs typeface="Palace Script MT" panose="020F0502020204030204" pitchFamily="34" charset="0"/>
+              </a:rPr>
+              <a:t> </a:t>
+            </a:r>
+            <a:r>
+              <a:rPr lang="en-US" altLang="zh-CN" sz="2600" dirty="0">
+                <a:solidFill>
+                  <a:schemeClr val="bg2">
+                    <a:lumMod val="25000"/>
+                  </a:schemeClr>
+                </a:solidFill>
+                <a:latin typeface="Palatino Linotype" panose="02040502050505030304" pitchFamily="18" charset="0"/>
+                <a:cs typeface="Palace Script MT" panose="020F0502020204030204" pitchFamily="34" charset="0"/>
+              </a:rPr>
+              <a:t>piano</a:t>
+            </a:r>
+            <a:r>
+              <a:rPr lang="zh-CN" altLang="en-US" sz="2600" dirty="0">
+                <a:solidFill>
+                  <a:schemeClr val="bg2">
+                    <a:lumMod val="25000"/>
+                  </a:schemeClr>
+                </a:solidFill>
+                <a:latin typeface="Palatino Linotype" panose="02040502050505030304" pitchFamily="18" charset="0"/>
+                <a:cs typeface="Palace Script MT" panose="020F0502020204030204" pitchFamily="34" charset="0"/>
+              </a:rPr>
+              <a:t> </a:t>
+            </a:r>
+            <a:r>
+              <a:rPr lang="en-US" altLang="zh-CN" sz="2600" dirty="0">
+                <a:solidFill>
+                  <a:schemeClr val="bg2">
+                    <a:lumMod val="25000"/>
+                  </a:schemeClr>
+                </a:solidFill>
+                <a:latin typeface="Palatino Linotype" panose="02040502050505030304" pitchFamily="18" charset="0"/>
+                <a:cs typeface="Palace Script MT" panose="020F0502020204030204" pitchFamily="34" charset="0"/>
+              </a:rPr>
+              <a:t>sheet</a:t>
+            </a:r>
+            <a:r>
+              <a:rPr lang="zh-CN" altLang="en-US" sz="2600" dirty="0">
+                <a:solidFill>
+                  <a:schemeClr val="bg2">
+                    <a:lumMod val="25000"/>
+                  </a:schemeClr>
+                </a:solidFill>
+                <a:latin typeface="Palatino Linotype" panose="02040502050505030304" pitchFamily="18" charset="0"/>
+                <a:cs typeface="Palace Script MT" panose="020F0502020204030204" pitchFamily="34" charset="0"/>
+              </a:rPr>
+              <a:t> </a:t>
+            </a:r>
+            <a:endParaRPr lang="en-US" altLang="zh-CN" sz="2600" dirty="0">
+              <a:solidFill>
+                <a:schemeClr val="bg2">
+                  <a:lumMod val="25000"/>
+                </a:schemeClr>
+              </a:solidFill>
+              <a:latin typeface="Palatino Linotype" panose="02040502050505030304" pitchFamily="18" charset="0"/>
+              <a:cs typeface="Palace Script MT" panose="020F0502020204030204" pitchFamily="34" charset="0"/>
+            </a:endParaRPr>
+          </a:p>
+          <a:p>
+            <a:pPr marL="342900" indent="-342900" algn="l">
+              <a:lnSpc>
+                <a:spcPct val="150000"/>
+              </a:lnSpc>
+              <a:buClr>
+                <a:schemeClr val="accent5">
+                  <a:lumMod val="60000"/>
+                  <a:lumOff val="40000"/>
+                </a:schemeClr>
+              </a:buClr>
+              <a:buFont typeface="Wingdings" pitchFamily="2" charset="2"/>
+              <a:buChar char="§"/>
+            </a:pPr>
+            <a:endParaRPr lang="en-US" altLang="zh-CN" sz="100" b="1" dirty="0">
+              <a:solidFill>
+                <a:schemeClr val="bg2">
+                  <a:lumMod val="25000"/>
+                </a:schemeClr>
+              </a:solidFill>
+              <a:latin typeface="Palatino Linotype" panose="02040502050505030304" pitchFamily="18" charset="0"/>
+              <a:cs typeface="Palace Script MT" panose="020F0502020204030204" pitchFamily="34" charset="0"/>
+            </a:endParaRPr>
+          </a:p>
+          <a:p>
+            <a:pPr marL="800100" lvl="1" indent="-342900">
+              <a:lnSpc>
+                <a:spcPct val="150000"/>
+              </a:lnSpc>
+              <a:buClr>
+                <a:schemeClr val="accent5">
+                  <a:lumMod val="60000"/>
+                  <a:lumOff val="40000"/>
+                </a:schemeClr>
+              </a:buClr>
+              <a:buFont typeface="Wingdings" pitchFamily="2" charset="2"/>
+              <a:buChar char="§"/>
+            </a:pPr>
+            <a:endParaRPr lang="en-US" altLang="zh-CN" sz="100" b="1" dirty="0">
+              <a:solidFill>
+                <a:schemeClr val="bg2">
+                  <a:lumMod val="25000"/>
+                </a:schemeClr>
+              </a:solidFill>
+              <a:latin typeface="Palatino Linotype" panose="02040502050505030304" pitchFamily="18" charset="0"/>
+              <a:cs typeface="Palace Script MT" panose="020F0502020204030204" pitchFamily="34" charset="0"/>
+            </a:endParaRPr>
+          </a:p>
+        </p:txBody>
+      </p:sp>
+    </p:spTree>
+    <p:extLst>
+      <p:ext uri="{BB962C8B-B14F-4D97-AF65-F5344CB8AC3E}">
+        <p14:creationId xmlns:p14="http://schemas.microsoft.com/office/powerpoint/2010/main" val="4048446964"/>
       </p:ext>
     </p:extLst>
   </p:cSld>
